--- a/Reference materials/17_Varying arguments, bitfields, enumeration, typedef.pptx
+++ b/Reference materials/17_Varying arguments, bitfields, enumeration, typedef.pptx
@@ -116,6 +116,22 @@
       </a:defRPr>
     </a:lvl9pPr>
   </p:defaultTextStyle>
+  <p:extLst>
+    <p:ext uri="{EFAFB233-063F-42B5-8137-9DF3F51BA10A}">
+      <p15:sldGuideLst xmlns:p15="http://schemas.microsoft.com/office/powerpoint/2012/main">
+        <p15:guide id="1" orient="horz" pos="2160">
+          <p15:clr>
+            <a:srgbClr val="A4A3A4"/>
+          </p15:clr>
+        </p15:guide>
+        <p15:guide id="2" pos="2880">
+          <p15:clr>
+            <a:srgbClr val="A4A3A4"/>
+          </p15:clr>
+        </p15:guide>
+      </p15:sldGuideLst>
+    </p:ext>
+  </p:extLst>
 </p:presentation>
 </file>
 
@@ -157,7 +173,7 @@
           <a:lstStyle/>
           <a:p>
             <a:r>
-              <a:rPr lang="en-US" smtClean="0"/>
+              <a:rPr lang="en-US"/>
               <a:t>Click to edit Master title style</a:t>
             </a:r>
             <a:endParaRPr lang="en-IN"/>
@@ -276,7 +292,7 @@
           </a:lstStyle>
           <a:p>
             <a:r>
-              <a:rPr lang="en-US" smtClean="0"/>
+              <a:rPr lang="en-US"/>
               <a:t>Click to edit Master subtitle style</a:t>
             </a:r>
             <a:endParaRPr lang="en-IN"/>
@@ -300,7 +316,7 @@
           <a:p>
             <a:fld id="{338821AB-F082-437E-8F73-9EDCA000C4B3}" type="datetimeFigureOut">
               <a:rPr lang="en-IN" smtClean="0"/>
-              <a:t>01-04-2021</a:t>
+              <a:t>17-04-2021</a:t>
             </a:fld>
             <a:endParaRPr lang="en-IN"/>
           </a:p>
@@ -394,7 +410,7 @@
           <a:lstStyle/>
           <a:p>
             <a:r>
-              <a:rPr lang="en-US" smtClean="0"/>
+              <a:rPr lang="en-US"/>
               <a:t>Click to edit Master title style</a:t>
             </a:r>
             <a:endParaRPr lang="en-IN"/>
@@ -418,35 +434,35 @@
           <a:p>
             <a:pPr lvl="0"/>
             <a:r>
-              <a:rPr lang="en-US" smtClean="0"/>
+              <a:rPr lang="en-US"/>
               <a:t>Click to edit Master text styles</a:t>
             </a:r>
           </a:p>
           <a:p>
             <a:pPr lvl="1"/>
             <a:r>
-              <a:rPr lang="en-US" smtClean="0"/>
+              <a:rPr lang="en-US"/>
               <a:t>Second level</a:t>
             </a:r>
           </a:p>
           <a:p>
             <a:pPr lvl="2"/>
             <a:r>
-              <a:rPr lang="en-US" smtClean="0"/>
+              <a:rPr lang="en-US"/>
               <a:t>Third level</a:t>
             </a:r>
           </a:p>
           <a:p>
             <a:pPr lvl="3"/>
             <a:r>
-              <a:rPr lang="en-US" smtClean="0"/>
+              <a:rPr lang="en-US"/>
               <a:t>Fourth level</a:t>
             </a:r>
           </a:p>
           <a:p>
             <a:pPr lvl="4"/>
             <a:r>
-              <a:rPr lang="en-US" smtClean="0"/>
+              <a:rPr lang="en-US"/>
               <a:t>Fifth level</a:t>
             </a:r>
             <a:endParaRPr lang="en-IN"/>
@@ -470,7 +486,7 @@
           <a:p>
             <a:fld id="{338821AB-F082-437E-8F73-9EDCA000C4B3}" type="datetimeFigureOut">
               <a:rPr lang="en-IN" smtClean="0"/>
-              <a:t>01-04-2021</a:t>
+              <a:t>17-04-2021</a:t>
             </a:fld>
             <a:endParaRPr lang="en-IN"/>
           </a:p>
@@ -569,7 +585,7 @@
           <a:lstStyle/>
           <a:p>
             <a:r>
-              <a:rPr lang="en-US" smtClean="0"/>
+              <a:rPr lang="en-US"/>
               <a:t>Click to edit Master title style</a:t>
             </a:r>
             <a:endParaRPr lang="en-IN"/>
@@ -598,35 +614,35 @@
           <a:p>
             <a:pPr lvl="0"/>
             <a:r>
-              <a:rPr lang="en-US" smtClean="0"/>
+              <a:rPr lang="en-US"/>
               <a:t>Click to edit Master text styles</a:t>
             </a:r>
           </a:p>
           <a:p>
             <a:pPr lvl="1"/>
             <a:r>
-              <a:rPr lang="en-US" smtClean="0"/>
+              <a:rPr lang="en-US"/>
               <a:t>Second level</a:t>
             </a:r>
           </a:p>
           <a:p>
             <a:pPr lvl="2"/>
             <a:r>
-              <a:rPr lang="en-US" smtClean="0"/>
+              <a:rPr lang="en-US"/>
               <a:t>Third level</a:t>
             </a:r>
           </a:p>
           <a:p>
             <a:pPr lvl="3"/>
             <a:r>
-              <a:rPr lang="en-US" smtClean="0"/>
+              <a:rPr lang="en-US"/>
               <a:t>Fourth level</a:t>
             </a:r>
           </a:p>
           <a:p>
             <a:pPr lvl="4"/>
             <a:r>
-              <a:rPr lang="en-US" smtClean="0"/>
+              <a:rPr lang="en-US"/>
               <a:t>Fifth level</a:t>
             </a:r>
             <a:endParaRPr lang="en-IN"/>
@@ -650,7 +666,7 @@
           <a:p>
             <a:fld id="{338821AB-F082-437E-8F73-9EDCA000C4B3}" type="datetimeFigureOut">
               <a:rPr lang="en-IN" smtClean="0"/>
-              <a:t>01-04-2021</a:t>
+              <a:t>17-04-2021</a:t>
             </a:fld>
             <a:endParaRPr lang="en-IN"/>
           </a:p>
@@ -744,7 +760,7 @@
           <a:lstStyle/>
           <a:p>
             <a:r>
-              <a:rPr lang="en-US" smtClean="0"/>
+              <a:rPr lang="en-US"/>
               <a:t>Click to edit Master title style</a:t>
             </a:r>
             <a:endParaRPr lang="en-IN"/>
@@ -768,35 +784,35 @@
           <a:p>
             <a:pPr lvl="0"/>
             <a:r>
-              <a:rPr lang="en-US" smtClean="0"/>
+              <a:rPr lang="en-US"/>
               <a:t>Click to edit Master text styles</a:t>
             </a:r>
           </a:p>
           <a:p>
             <a:pPr lvl="1"/>
             <a:r>
-              <a:rPr lang="en-US" smtClean="0"/>
+              <a:rPr lang="en-US"/>
               <a:t>Second level</a:t>
             </a:r>
           </a:p>
           <a:p>
             <a:pPr lvl="2"/>
             <a:r>
-              <a:rPr lang="en-US" smtClean="0"/>
+              <a:rPr lang="en-US"/>
               <a:t>Third level</a:t>
             </a:r>
           </a:p>
           <a:p>
             <a:pPr lvl="3"/>
             <a:r>
-              <a:rPr lang="en-US" smtClean="0"/>
+              <a:rPr lang="en-US"/>
               <a:t>Fourth level</a:t>
             </a:r>
           </a:p>
           <a:p>
             <a:pPr lvl="4"/>
             <a:r>
-              <a:rPr lang="en-US" smtClean="0"/>
+              <a:rPr lang="en-US"/>
               <a:t>Fifth level</a:t>
             </a:r>
             <a:endParaRPr lang="en-IN"/>
@@ -820,7 +836,7 @@
           <a:p>
             <a:fld id="{338821AB-F082-437E-8F73-9EDCA000C4B3}" type="datetimeFigureOut">
               <a:rPr lang="en-IN" smtClean="0"/>
-              <a:t>01-04-2021</a:t>
+              <a:t>17-04-2021</a:t>
             </a:fld>
             <a:endParaRPr lang="en-IN"/>
           </a:p>
@@ -923,7 +939,7 @@
           </a:lstStyle>
           <a:p>
             <a:r>
-              <a:rPr lang="en-US" smtClean="0"/>
+              <a:rPr lang="en-US"/>
               <a:t>Click to edit Master title style</a:t>
             </a:r>
             <a:endParaRPr lang="en-IN"/>
@@ -1043,7 +1059,7 @@
           <a:p>
             <a:pPr lvl="0"/>
             <a:r>
-              <a:rPr lang="en-US" smtClean="0"/>
+              <a:rPr lang="en-US"/>
               <a:t>Click to edit Master text styles</a:t>
             </a:r>
           </a:p>
@@ -1066,7 +1082,7 @@
           <a:p>
             <a:fld id="{338821AB-F082-437E-8F73-9EDCA000C4B3}" type="datetimeFigureOut">
               <a:rPr lang="en-IN" smtClean="0"/>
-              <a:t>01-04-2021</a:t>
+              <a:t>17-04-2021</a:t>
             </a:fld>
             <a:endParaRPr lang="en-IN"/>
           </a:p>
@@ -1160,7 +1176,7 @@
           <a:lstStyle/>
           <a:p>
             <a:r>
-              <a:rPr lang="en-US" smtClean="0"/>
+              <a:rPr lang="en-US"/>
               <a:t>Click to edit Master title style</a:t>
             </a:r>
             <a:endParaRPr lang="en-IN"/>
@@ -1217,35 +1233,35 @@
           <a:p>
             <a:pPr lvl="0"/>
             <a:r>
-              <a:rPr lang="en-US" smtClean="0"/>
+              <a:rPr lang="en-US"/>
               <a:t>Click to edit Master text styles</a:t>
             </a:r>
           </a:p>
           <a:p>
             <a:pPr lvl="1"/>
             <a:r>
-              <a:rPr lang="en-US" smtClean="0"/>
+              <a:rPr lang="en-US"/>
               <a:t>Second level</a:t>
             </a:r>
           </a:p>
           <a:p>
             <a:pPr lvl="2"/>
             <a:r>
-              <a:rPr lang="en-US" smtClean="0"/>
+              <a:rPr lang="en-US"/>
               <a:t>Third level</a:t>
             </a:r>
           </a:p>
           <a:p>
             <a:pPr lvl="3"/>
             <a:r>
-              <a:rPr lang="en-US" smtClean="0"/>
+              <a:rPr lang="en-US"/>
               <a:t>Fourth level</a:t>
             </a:r>
           </a:p>
           <a:p>
             <a:pPr lvl="4"/>
             <a:r>
-              <a:rPr lang="en-US" smtClean="0"/>
+              <a:rPr lang="en-US"/>
               <a:t>Fifth level</a:t>
             </a:r>
             <a:endParaRPr lang="en-IN"/>
@@ -1302,35 +1318,35 @@
           <a:p>
             <a:pPr lvl="0"/>
             <a:r>
-              <a:rPr lang="en-US" smtClean="0"/>
+              <a:rPr lang="en-US"/>
               <a:t>Click to edit Master text styles</a:t>
             </a:r>
           </a:p>
           <a:p>
             <a:pPr lvl="1"/>
             <a:r>
-              <a:rPr lang="en-US" smtClean="0"/>
+              <a:rPr lang="en-US"/>
               <a:t>Second level</a:t>
             </a:r>
           </a:p>
           <a:p>
             <a:pPr lvl="2"/>
             <a:r>
-              <a:rPr lang="en-US" smtClean="0"/>
+              <a:rPr lang="en-US"/>
               <a:t>Third level</a:t>
             </a:r>
           </a:p>
           <a:p>
             <a:pPr lvl="3"/>
             <a:r>
-              <a:rPr lang="en-US" smtClean="0"/>
+              <a:rPr lang="en-US"/>
               <a:t>Fourth level</a:t>
             </a:r>
           </a:p>
           <a:p>
             <a:pPr lvl="4"/>
             <a:r>
-              <a:rPr lang="en-US" smtClean="0"/>
+              <a:rPr lang="en-US"/>
               <a:t>Fifth level</a:t>
             </a:r>
             <a:endParaRPr lang="en-IN"/>
@@ -1354,7 +1370,7 @@
           <a:p>
             <a:fld id="{338821AB-F082-437E-8F73-9EDCA000C4B3}" type="datetimeFigureOut">
               <a:rPr lang="en-IN" smtClean="0"/>
-              <a:t>01-04-2021</a:t>
+              <a:t>17-04-2021</a:t>
             </a:fld>
             <a:endParaRPr lang="en-IN"/>
           </a:p>
@@ -1452,7 +1468,7 @@
           </a:lstStyle>
           <a:p>
             <a:r>
-              <a:rPr lang="en-US" smtClean="0"/>
+              <a:rPr lang="en-US"/>
               <a:t>Click to edit Master title style</a:t>
             </a:r>
             <a:endParaRPr lang="en-IN"/>
@@ -1518,7 +1534,7 @@
           <a:p>
             <a:pPr lvl="0"/>
             <a:r>
-              <a:rPr lang="en-US" smtClean="0"/>
+              <a:rPr lang="en-US"/>
               <a:t>Click to edit Master text styles</a:t>
             </a:r>
           </a:p>
@@ -1574,35 +1590,35 @@
           <a:p>
             <a:pPr lvl="0"/>
             <a:r>
-              <a:rPr lang="en-US" smtClean="0"/>
+              <a:rPr lang="en-US"/>
               <a:t>Click to edit Master text styles</a:t>
             </a:r>
           </a:p>
           <a:p>
             <a:pPr lvl="1"/>
             <a:r>
-              <a:rPr lang="en-US" smtClean="0"/>
+              <a:rPr lang="en-US"/>
               <a:t>Second level</a:t>
             </a:r>
           </a:p>
           <a:p>
             <a:pPr lvl="2"/>
             <a:r>
-              <a:rPr lang="en-US" smtClean="0"/>
+              <a:rPr lang="en-US"/>
               <a:t>Third level</a:t>
             </a:r>
           </a:p>
           <a:p>
             <a:pPr lvl="3"/>
             <a:r>
-              <a:rPr lang="en-US" smtClean="0"/>
+              <a:rPr lang="en-US"/>
               <a:t>Fourth level</a:t>
             </a:r>
           </a:p>
           <a:p>
             <a:pPr lvl="4"/>
             <a:r>
-              <a:rPr lang="en-US" smtClean="0"/>
+              <a:rPr lang="en-US"/>
               <a:t>Fifth level</a:t>
             </a:r>
             <a:endParaRPr lang="en-IN"/>
@@ -1668,7 +1684,7 @@
           <a:p>
             <a:pPr lvl="0"/>
             <a:r>
-              <a:rPr lang="en-US" smtClean="0"/>
+              <a:rPr lang="en-US"/>
               <a:t>Click to edit Master text styles</a:t>
             </a:r>
           </a:p>
@@ -1724,35 +1740,35 @@
           <a:p>
             <a:pPr lvl="0"/>
             <a:r>
-              <a:rPr lang="en-US" smtClean="0"/>
+              <a:rPr lang="en-US"/>
               <a:t>Click to edit Master text styles</a:t>
             </a:r>
           </a:p>
           <a:p>
             <a:pPr lvl="1"/>
             <a:r>
-              <a:rPr lang="en-US" smtClean="0"/>
+              <a:rPr lang="en-US"/>
               <a:t>Second level</a:t>
             </a:r>
           </a:p>
           <a:p>
             <a:pPr lvl="2"/>
             <a:r>
-              <a:rPr lang="en-US" smtClean="0"/>
+              <a:rPr lang="en-US"/>
               <a:t>Third level</a:t>
             </a:r>
           </a:p>
           <a:p>
             <a:pPr lvl="3"/>
             <a:r>
-              <a:rPr lang="en-US" smtClean="0"/>
+              <a:rPr lang="en-US"/>
               <a:t>Fourth level</a:t>
             </a:r>
           </a:p>
           <a:p>
             <a:pPr lvl="4"/>
             <a:r>
-              <a:rPr lang="en-US" smtClean="0"/>
+              <a:rPr lang="en-US"/>
               <a:t>Fifth level</a:t>
             </a:r>
             <a:endParaRPr lang="en-IN"/>
@@ -1776,7 +1792,7 @@
           <a:p>
             <a:fld id="{338821AB-F082-437E-8F73-9EDCA000C4B3}" type="datetimeFigureOut">
               <a:rPr lang="en-IN" smtClean="0"/>
-              <a:t>01-04-2021</a:t>
+              <a:t>17-04-2021</a:t>
             </a:fld>
             <a:endParaRPr lang="en-IN"/>
           </a:p>
@@ -1870,7 +1886,7 @@
           <a:lstStyle/>
           <a:p>
             <a:r>
-              <a:rPr lang="en-US" smtClean="0"/>
+              <a:rPr lang="en-US"/>
               <a:t>Click to edit Master title style</a:t>
             </a:r>
             <a:endParaRPr lang="en-IN"/>
@@ -1894,7 +1910,7 @@
           <a:p>
             <a:fld id="{338821AB-F082-437E-8F73-9EDCA000C4B3}" type="datetimeFigureOut">
               <a:rPr lang="en-IN" smtClean="0"/>
-              <a:t>01-04-2021</a:t>
+              <a:t>17-04-2021</a:t>
             </a:fld>
             <a:endParaRPr lang="en-IN"/>
           </a:p>
@@ -1989,7 +2005,7 @@
           <a:p>
             <a:fld id="{338821AB-F082-437E-8F73-9EDCA000C4B3}" type="datetimeFigureOut">
               <a:rPr lang="en-IN" smtClean="0"/>
-              <a:t>01-04-2021</a:t>
+              <a:t>17-04-2021</a:t>
             </a:fld>
             <a:endParaRPr lang="en-IN"/>
           </a:p>
@@ -2092,7 +2108,7 @@
           </a:lstStyle>
           <a:p>
             <a:r>
-              <a:rPr lang="en-US" smtClean="0"/>
+              <a:rPr lang="en-US"/>
               <a:t>Click to edit Master title style</a:t>
             </a:r>
             <a:endParaRPr lang="en-IN"/>
@@ -2149,35 +2165,35 @@
           <a:p>
             <a:pPr lvl="0"/>
             <a:r>
-              <a:rPr lang="en-US" smtClean="0"/>
+              <a:rPr lang="en-US"/>
               <a:t>Click to edit Master text styles</a:t>
             </a:r>
           </a:p>
           <a:p>
             <a:pPr lvl="1"/>
             <a:r>
-              <a:rPr lang="en-US" smtClean="0"/>
+              <a:rPr lang="en-US"/>
               <a:t>Second level</a:t>
             </a:r>
           </a:p>
           <a:p>
             <a:pPr lvl="2"/>
             <a:r>
-              <a:rPr lang="en-US" smtClean="0"/>
+              <a:rPr lang="en-US"/>
               <a:t>Third level</a:t>
             </a:r>
           </a:p>
           <a:p>
             <a:pPr lvl="3"/>
             <a:r>
-              <a:rPr lang="en-US" smtClean="0"/>
+              <a:rPr lang="en-US"/>
               <a:t>Fourth level</a:t>
             </a:r>
           </a:p>
           <a:p>
             <a:pPr lvl="4"/>
             <a:r>
-              <a:rPr lang="en-US" smtClean="0"/>
+              <a:rPr lang="en-US"/>
               <a:t>Fifth level</a:t>
             </a:r>
             <a:endParaRPr lang="en-IN"/>
@@ -2243,7 +2259,7 @@
           <a:p>
             <a:pPr lvl="0"/>
             <a:r>
-              <a:rPr lang="en-US" smtClean="0"/>
+              <a:rPr lang="en-US"/>
               <a:t>Click to edit Master text styles</a:t>
             </a:r>
           </a:p>
@@ -2266,7 +2282,7 @@
           <a:p>
             <a:fld id="{338821AB-F082-437E-8F73-9EDCA000C4B3}" type="datetimeFigureOut">
               <a:rPr lang="en-IN" smtClean="0"/>
-              <a:t>01-04-2021</a:t>
+              <a:t>17-04-2021</a:t>
             </a:fld>
             <a:endParaRPr lang="en-IN"/>
           </a:p>
@@ -2369,7 +2385,7 @@
           </a:lstStyle>
           <a:p>
             <a:r>
-              <a:rPr lang="en-US" smtClean="0"/>
+              <a:rPr lang="en-US"/>
               <a:t>Click to edit Master title style</a:t>
             </a:r>
             <a:endParaRPr lang="en-IN"/>
@@ -2496,7 +2512,7 @@
           <a:p>
             <a:pPr lvl="0"/>
             <a:r>
-              <a:rPr lang="en-US" smtClean="0"/>
+              <a:rPr lang="en-US"/>
               <a:t>Click to edit Master text styles</a:t>
             </a:r>
           </a:p>
@@ -2519,7 +2535,7 @@
           <a:p>
             <a:fld id="{338821AB-F082-437E-8F73-9EDCA000C4B3}" type="datetimeFigureOut">
               <a:rPr lang="en-IN" smtClean="0"/>
-              <a:t>01-04-2021</a:t>
+              <a:t>17-04-2021</a:t>
             </a:fld>
             <a:endParaRPr lang="en-IN"/>
           </a:p>
@@ -2628,7 +2644,7 @@
           <a:lstStyle/>
           <a:p>
             <a:r>
-              <a:rPr lang="en-US" smtClean="0"/>
+              <a:rPr lang="en-US"/>
               <a:t>Click to edit Master title style</a:t>
             </a:r>
             <a:endParaRPr lang="en-IN"/>
@@ -2662,35 +2678,35 @@
           <a:p>
             <a:pPr lvl="0"/>
             <a:r>
-              <a:rPr lang="en-US" smtClean="0"/>
+              <a:rPr lang="en-US"/>
               <a:t>Click to edit Master text styles</a:t>
             </a:r>
           </a:p>
           <a:p>
             <a:pPr lvl="1"/>
             <a:r>
-              <a:rPr lang="en-US" smtClean="0"/>
+              <a:rPr lang="en-US"/>
               <a:t>Second level</a:t>
             </a:r>
           </a:p>
           <a:p>
             <a:pPr lvl="2"/>
             <a:r>
-              <a:rPr lang="en-US" smtClean="0"/>
+              <a:rPr lang="en-US"/>
               <a:t>Third level</a:t>
             </a:r>
           </a:p>
           <a:p>
             <a:pPr lvl="3"/>
             <a:r>
-              <a:rPr lang="en-US" smtClean="0"/>
+              <a:rPr lang="en-US"/>
               <a:t>Fourth level</a:t>
             </a:r>
           </a:p>
           <a:p>
             <a:pPr lvl="4"/>
             <a:r>
-              <a:rPr lang="en-US" smtClean="0"/>
+              <a:rPr lang="en-US"/>
               <a:t>Fifth level</a:t>
             </a:r>
             <a:endParaRPr lang="en-IN"/>
@@ -2732,7 +2748,7 @@
           <a:p>
             <a:fld id="{338821AB-F082-437E-8F73-9EDCA000C4B3}" type="datetimeFigureOut">
               <a:rPr lang="en-IN" smtClean="0"/>
-              <a:t>01-04-2021</a:t>
+              <a:t>17-04-2021</a:t>
             </a:fld>
             <a:endParaRPr lang="en-IN"/>
           </a:p>
@@ -3133,7 +3149,7 @@
               <a:buChar char="•"/>
             </a:pPr>
             <a:r>
-              <a:rPr lang="en-US" sz="3600" dirty="0" smtClean="0"/>
+              <a:rPr lang="en-US" sz="3600" dirty="0"/>
               <a:t>Functions with varying number of arguments</a:t>
             </a:r>
           </a:p>
@@ -3143,7 +3159,7 @@
               <a:buChar char="•"/>
             </a:pPr>
             <a:r>
-              <a:rPr lang="en-US" sz="3600" dirty="0" smtClean="0"/>
+              <a:rPr lang="en-US" sz="3600" dirty="0"/>
               <a:t>Bit fields</a:t>
             </a:r>
           </a:p>
@@ -3153,7 +3169,7 @@
               <a:buChar char="•"/>
             </a:pPr>
             <a:r>
-              <a:rPr lang="en-US" sz="3600" dirty="0" smtClean="0"/>
+              <a:rPr lang="en-US" sz="3600" dirty="0"/>
               <a:t>Enumerations</a:t>
             </a:r>
           </a:p>
@@ -3163,10 +3179,10 @@
               <a:buChar char="•"/>
             </a:pPr>
             <a:r>
-              <a:rPr lang="en-US" sz="3600" dirty="0" err="1" smtClean="0"/>
+              <a:rPr lang="en-US" sz="3600" dirty="0" err="1"/>
               <a:t>typedef</a:t>
             </a:r>
-            <a:endParaRPr lang="en-US" sz="3600" dirty="0" smtClean="0"/>
+            <a:endParaRPr lang="en-US" sz="3600" dirty="0"/>
           </a:p>
           <a:p>
             <a:pPr marL="285750" indent="-285750">
@@ -3231,14 +3247,10 @@
           <a:p>
             <a:r>
               <a:rPr lang="en-US" dirty="0" err="1"/>
-              <a:t>t</a:t>
-            </a:r>
-            <a:r>
-              <a:rPr lang="en-US" dirty="0" err="1" smtClean="0"/>
-              <a:t>ypedef</a:t>
-            </a:r>
-            <a:r>
-              <a:rPr lang="en-US" dirty="0" smtClean="0"/>
+              <a:t>typedef</a:t>
+            </a:r>
+            <a:r>
+              <a:rPr lang="en-US" dirty="0"/>
               <a:t> </a:t>
             </a:r>
             <a:endParaRPr lang="en-IN" dirty="0"/>
@@ -3264,15 +3276,15 @@
           <a:p>
             <a:pPr algn="just"/>
             <a:r>
-              <a:rPr lang="en-US" dirty="0" smtClean="0"/>
+              <a:rPr lang="en-US" dirty="0"/>
               <a:t>the general syntax for using </a:t>
             </a:r>
             <a:r>
-              <a:rPr lang="en-US" dirty="0" err="1" smtClean="0"/>
+              <a:rPr lang="en-US" dirty="0" err="1"/>
               <a:t>typedef</a:t>
             </a:r>
             <a:r>
-              <a:rPr lang="en-US" dirty="0" smtClean="0"/>
+              <a:rPr lang="en-US" dirty="0"/>
               <a:t>,</a:t>
             </a:r>
           </a:p>
@@ -3281,7 +3293,7 @@
               <a:buNone/>
             </a:pPr>
             <a:r>
-              <a:rPr lang="en-IN" dirty="0" smtClean="0">
+              <a:rPr lang="en-IN" dirty="0">
                 <a:solidFill>
                   <a:srgbClr val="FF0000"/>
                 </a:solidFill>
@@ -3289,7 +3301,7 @@
               <a:t>     </a:t>
             </a:r>
             <a:r>
-              <a:rPr lang="en-IN" dirty="0" err="1" smtClean="0">
+              <a:rPr lang="en-IN" dirty="0" err="1">
                 <a:solidFill>
                   <a:srgbClr val="FF0000"/>
                 </a:solidFill>
@@ -3297,7 +3309,7 @@
               <a:t>typedef</a:t>
             </a:r>
             <a:r>
-              <a:rPr lang="en-IN" dirty="0" smtClean="0">
+              <a:rPr lang="en-IN" dirty="0">
                 <a:solidFill>
                   <a:srgbClr val="FF0000"/>
                 </a:solidFill>
@@ -3305,7 +3317,7 @@
               <a:t> &lt;</a:t>
             </a:r>
             <a:r>
-              <a:rPr lang="en-IN" dirty="0" err="1" smtClean="0">
+              <a:rPr lang="en-IN" dirty="0" err="1">
                 <a:solidFill>
                   <a:srgbClr val="FF0000"/>
                 </a:solidFill>
@@ -3313,7 +3325,7 @@
               <a:t>existing_name</a:t>
             </a:r>
             <a:r>
-              <a:rPr lang="en-IN" dirty="0" smtClean="0">
+              <a:rPr lang="en-IN" dirty="0">
                 <a:solidFill>
                   <a:srgbClr val="FF0000"/>
                 </a:solidFill>
@@ -3321,7 +3333,7 @@
               <a:t>&gt; &lt;</a:t>
             </a:r>
             <a:r>
-              <a:rPr lang="en-IN" dirty="0" err="1" smtClean="0">
+              <a:rPr lang="en-IN" dirty="0" err="1">
                 <a:solidFill>
                   <a:srgbClr val="FF0000"/>
                 </a:solidFill>
@@ -3329,7 +3341,7 @@
               <a:t>alias_name</a:t>
             </a:r>
             <a:r>
-              <a:rPr lang="en-IN" dirty="0" smtClean="0">
+              <a:rPr lang="en-IN" dirty="0">
                 <a:solidFill>
                   <a:srgbClr val="FF0000"/>
                 </a:solidFill>
@@ -3341,7 +3353,7 @@
             <a:pPr marL="0" indent="0">
               <a:buNone/>
             </a:pPr>
-            <a:endParaRPr lang="en-IN" dirty="0" smtClean="0">
+            <a:endParaRPr lang="en-IN" dirty="0">
               <a:solidFill>
                 <a:srgbClr val="FF0000"/>
               </a:solidFill>
@@ -3350,20 +3362,16 @@
           <a:p>
             <a:r>
               <a:rPr lang="en-US" dirty="0"/>
-              <a:t>E</a:t>
-            </a:r>
-            <a:r>
-              <a:rPr lang="en-US" dirty="0" smtClean="0"/>
-              <a:t>xample</a:t>
-            </a:r>
-            <a:endParaRPr lang="en-IN" dirty="0" smtClean="0"/>
-          </a:p>
-          <a:p>
-            <a:pPr marL="0" indent="0">
-              <a:buNone/>
-            </a:pPr>
-            <a:r>
-              <a:rPr lang="en-IN" dirty="0" err="1" smtClean="0">
+              <a:t>Example</a:t>
+            </a:r>
+            <a:endParaRPr lang="en-IN" dirty="0"/>
+          </a:p>
+          <a:p>
+            <a:pPr marL="0" indent="0">
+              <a:buNone/>
+            </a:pPr>
+            <a:r>
+              <a:rPr lang="en-IN" dirty="0" err="1">
                 <a:solidFill>
                   <a:srgbClr val="FF0000"/>
                 </a:solidFill>
@@ -3371,7 +3379,7 @@
               <a:t>typedef</a:t>
             </a:r>
             <a:r>
-              <a:rPr lang="en-IN" dirty="0" smtClean="0">
+              <a:rPr lang="en-IN" dirty="0">
                 <a:solidFill>
                   <a:srgbClr val="FF0000"/>
                 </a:solidFill>
@@ -3379,7 +3387,7 @@
               <a:t> unsigned long </a:t>
             </a:r>
             <a:r>
-              <a:rPr lang="en-IN" dirty="0" err="1" smtClean="0">
+              <a:rPr lang="en-IN" dirty="0" err="1">
                 <a:solidFill>
                   <a:srgbClr val="FF0000"/>
                 </a:solidFill>
@@ -3387,7 +3395,7 @@
               <a:t>ulong</a:t>
             </a:r>
             <a:r>
-              <a:rPr lang="en-IN" dirty="0" smtClean="0">
+              <a:rPr lang="en-IN" dirty="0">
                 <a:solidFill>
                   <a:srgbClr val="FF0000"/>
                 </a:solidFill>
@@ -3415,18 +3423,10 @@
                   <a:srgbClr val="FF0000"/>
                 </a:solidFill>
               </a:rPr>
-              <a:t>u</a:t>
-            </a:r>
-            <a:r>
-              <a:rPr lang="en-US" dirty="0" err="1" smtClean="0">
-                <a:solidFill>
-                  <a:srgbClr val="FF0000"/>
-                </a:solidFill>
-              </a:rPr>
-              <a:t>long</a:t>
-            </a:r>
-            <a:r>
-              <a:rPr lang="en-US" dirty="0" smtClean="0">
+              <a:t>ulong</a:t>
+            </a:r>
+            <a:r>
+              <a:rPr lang="en-US" dirty="0">
                 <a:solidFill>
                   <a:srgbClr val="FF0000"/>
                 </a:solidFill>
@@ -3434,7 +3434,7 @@
               <a:t> </a:t>
             </a:r>
             <a:r>
-              <a:rPr lang="en-US" dirty="0" err="1" smtClean="0">
+              <a:rPr lang="en-US" dirty="0" err="1">
                 <a:solidFill>
                   <a:srgbClr val="FF0000"/>
                 </a:solidFill>
@@ -3442,7 +3442,7 @@
               <a:t>a,b</a:t>
             </a:r>
             <a:r>
-              <a:rPr lang="en-US" dirty="0" smtClean="0">
+              <a:rPr lang="en-US" dirty="0">
                 <a:solidFill>
                   <a:srgbClr val="FF0000"/>
                 </a:solidFill>
@@ -3499,18 +3499,14 @@
           <a:p>
             <a:r>
               <a:rPr lang="en-US" dirty="0" err="1"/>
-              <a:t>t</a:t>
-            </a:r>
-            <a:r>
-              <a:rPr lang="en-US" dirty="0" err="1" smtClean="0"/>
-              <a:t>ypedef</a:t>
-            </a:r>
-            <a:r>
-              <a:rPr lang="en-US" dirty="0" smtClean="0"/>
+              <a:t>typedef</a:t>
+            </a:r>
+            <a:r>
+              <a:rPr lang="en-US" dirty="0"/>
               <a:t> in </a:t>
             </a:r>
             <a:r>
-              <a:rPr lang="en-US" dirty="0" err="1" smtClean="0"/>
+              <a:rPr lang="en-US" dirty="0" err="1"/>
               <a:t>stuctures</a:t>
             </a:r>
             <a:endParaRPr lang="en-IN" dirty="0"/>
@@ -3535,37 +3531,37 @@
           <a:lstStyle/>
           <a:p>
             <a:r>
-              <a:rPr lang="en-US" dirty="0" smtClean="0"/>
+              <a:rPr lang="en-US" dirty="0"/>
               <a:t>In structures</a:t>
             </a:r>
           </a:p>
           <a:p>
-            <a:endParaRPr lang="en-US" dirty="0" smtClean="0"/>
-          </a:p>
-          <a:p>
-            <a:pPr marL="0" indent="0">
-              <a:buNone/>
-            </a:pPr>
-            <a:r>
-              <a:rPr lang="en-IN" dirty="0" err="1" smtClean="0"/>
+            <a:endParaRPr lang="en-US" dirty="0"/>
+          </a:p>
+          <a:p>
+            <a:pPr marL="0" indent="0">
+              <a:buNone/>
+            </a:pPr>
+            <a:r>
+              <a:rPr lang="en-IN" dirty="0" err="1"/>
               <a:t>typedef</a:t>
             </a:r>
             <a:r>
-              <a:rPr lang="en-IN" dirty="0" smtClean="0"/>
+              <a:rPr lang="en-IN" dirty="0"/>
               <a:t> </a:t>
             </a:r>
             <a:r>
-              <a:rPr lang="en-IN" dirty="0" err="1" smtClean="0"/>
+              <a:rPr lang="en-IN" dirty="0" err="1"/>
               <a:t>struct</a:t>
             </a:r>
-            <a:endParaRPr lang="en-IN" dirty="0" smtClean="0"/>
-          </a:p>
-          <a:p>
-            <a:pPr marL="0" indent="0">
-              <a:buNone/>
-            </a:pPr>
-            <a:r>
-              <a:rPr lang="en-IN" dirty="0" smtClean="0"/>
+            <a:endParaRPr lang="en-IN" dirty="0"/>
+          </a:p>
+          <a:p>
+            <a:pPr marL="0" indent="0">
+              <a:buNone/>
+            </a:pPr>
+            <a:r>
+              <a:rPr lang="en-IN" dirty="0"/>
               <a:t>{</a:t>
             </a:r>
           </a:p>
@@ -3574,7 +3570,7 @@
               <a:buNone/>
             </a:pPr>
             <a:r>
-              <a:rPr lang="en-IN" dirty="0" smtClean="0"/>
+              <a:rPr lang="en-IN" dirty="0"/>
               <a:t>    type member1;</a:t>
             </a:r>
           </a:p>
@@ -3583,7 +3579,7 @@
               <a:buNone/>
             </a:pPr>
             <a:r>
-              <a:rPr lang="en-IN" dirty="0" smtClean="0"/>
+              <a:rPr lang="en-IN" dirty="0"/>
               <a:t>    type member2;</a:t>
             </a:r>
           </a:p>
@@ -3592,7 +3588,7 @@
               <a:buNone/>
             </a:pPr>
             <a:r>
-              <a:rPr lang="en-IN" dirty="0" smtClean="0"/>
+              <a:rPr lang="en-IN" dirty="0"/>
               <a:t>    type member3;</a:t>
             </a:r>
           </a:p>
@@ -3601,15 +3597,15 @@
               <a:buNone/>
             </a:pPr>
             <a:r>
-              <a:rPr lang="en-IN" dirty="0" smtClean="0"/>
+              <a:rPr lang="en-IN" dirty="0"/>
               <a:t>} </a:t>
             </a:r>
             <a:r>
-              <a:rPr lang="en-IN" dirty="0" err="1" smtClean="0"/>
+              <a:rPr lang="en-IN" dirty="0" err="1"/>
               <a:t>type_name</a:t>
             </a:r>
             <a:r>
-              <a:rPr lang="en-IN" dirty="0" smtClean="0"/>
+              <a:rPr lang="en-IN" dirty="0"/>
               <a:t>;</a:t>
             </a:r>
           </a:p>
@@ -3617,18 +3613,18 @@
             <a:pPr marL="0" indent="0">
               <a:buNone/>
             </a:pPr>
-            <a:endParaRPr lang="en-IN" dirty="0" smtClean="0"/>
-          </a:p>
-          <a:p>
-            <a:pPr marL="0" indent="0">
-              <a:buNone/>
-            </a:pPr>
-            <a:r>
-              <a:rPr lang="en-US" dirty="0" err="1" smtClean="0"/>
+            <a:endParaRPr lang="en-IN" dirty="0"/>
+          </a:p>
+          <a:p>
+            <a:pPr marL="0" indent="0">
+              <a:buNone/>
+            </a:pPr>
+            <a:r>
+              <a:rPr lang="en-US" dirty="0" err="1"/>
               <a:t>typename</a:t>
             </a:r>
             <a:r>
-              <a:rPr lang="en-US" dirty="0" smtClean="0"/>
+              <a:rPr lang="en-US" dirty="0"/>
               <a:t> t1,t2;</a:t>
             </a:r>
             <a:endParaRPr lang="en-IN" dirty="0"/>
@@ -3681,11 +3677,11 @@
           <a:lstStyle/>
           <a:p>
             <a:r>
-              <a:rPr lang="en-US" dirty="0" err="1" smtClean="0"/>
+              <a:rPr lang="en-US" dirty="0" err="1"/>
               <a:t>typedef</a:t>
             </a:r>
             <a:r>
-              <a:rPr lang="en-US" dirty="0" smtClean="0"/>
+              <a:rPr lang="en-US" dirty="0"/>
               <a:t> in structures</a:t>
             </a:r>
             <a:endParaRPr lang="en-IN" dirty="0"/>
@@ -3718,15 +3714,15 @@
               <a:buNone/>
             </a:pPr>
             <a:r>
-              <a:rPr lang="en-IN" dirty="0" smtClean="0"/>
+              <a:rPr lang="en-IN" dirty="0"/>
               <a:t>#include&lt;</a:t>
             </a:r>
             <a:r>
-              <a:rPr lang="en-IN" dirty="0" err="1" smtClean="0"/>
+              <a:rPr lang="en-IN" dirty="0" err="1"/>
               <a:t>stdio.h</a:t>
             </a:r>
             <a:r>
-              <a:rPr lang="en-IN" dirty="0" smtClean="0"/>
+              <a:rPr lang="en-IN" dirty="0"/>
               <a:t>&gt;</a:t>
             </a:r>
           </a:p>
@@ -3735,15 +3731,15 @@
               <a:buNone/>
             </a:pPr>
             <a:r>
-              <a:rPr lang="en-IN" dirty="0" smtClean="0"/>
+              <a:rPr lang="en-IN" dirty="0"/>
               <a:t>#include&lt;</a:t>
             </a:r>
             <a:r>
-              <a:rPr lang="en-IN" dirty="0" err="1" smtClean="0"/>
+              <a:rPr lang="en-IN" dirty="0" err="1"/>
               <a:t>string.h</a:t>
             </a:r>
             <a:r>
-              <a:rPr lang="en-IN" dirty="0" smtClean="0"/>
+              <a:rPr lang="en-IN" dirty="0"/>
               <a:t>&gt;</a:t>
             </a:r>
           </a:p>
@@ -3752,7 +3748,7 @@
               <a:buNone/>
             </a:pPr>
             <a:r>
-              <a:rPr lang="en-IN" dirty="0" smtClean="0"/>
+              <a:rPr lang="en-IN" dirty="0"/>
               <a:t> </a:t>
             </a:r>
           </a:p>
@@ -3761,19 +3757,19 @@
               <a:buNone/>
             </a:pPr>
             <a:r>
-              <a:rPr lang="en-IN" dirty="0" err="1" smtClean="0"/>
+              <a:rPr lang="en-IN" dirty="0" err="1"/>
               <a:t>typedef</a:t>
             </a:r>
             <a:r>
-              <a:rPr lang="en-IN" dirty="0" smtClean="0"/>
+              <a:rPr lang="en-IN" dirty="0"/>
               <a:t> </a:t>
             </a:r>
             <a:r>
-              <a:rPr lang="en-IN" dirty="0" err="1" smtClean="0"/>
+              <a:rPr lang="en-IN" dirty="0" err="1"/>
               <a:t>struct</a:t>
             </a:r>
             <a:r>
-              <a:rPr lang="en-IN" dirty="0" smtClean="0"/>
+              <a:rPr lang="en-IN" dirty="0"/>
               <a:t> employee</a:t>
             </a:r>
           </a:p>
@@ -3782,7 +3778,7 @@
               <a:buNone/>
             </a:pPr>
             <a:r>
-              <a:rPr lang="en-IN" dirty="0" smtClean="0"/>
+              <a:rPr lang="en-IN" dirty="0"/>
               <a:t>{</a:t>
             </a:r>
           </a:p>
@@ -3791,7 +3787,7 @@
               <a:buNone/>
             </a:pPr>
             <a:r>
-              <a:rPr lang="en-IN" dirty="0" smtClean="0"/>
+              <a:rPr lang="en-IN" dirty="0"/>
               <a:t>    char name[50];</a:t>
             </a:r>
           </a:p>
@@ -3800,15 +3796,15 @@
               <a:buNone/>
             </a:pPr>
             <a:r>
-              <a:rPr lang="en-IN" dirty="0" smtClean="0"/>
+              <a:rPr lang="en-IN" dirty="0"/>
               <a:t>    </a:t>
             </a:r>
             <a:r>
-              <a:rPr lang="en-IN" dirty="0" err="1" smtClean="0"/>
+              <a:rPr lang="en-IN" dirty="0" err="1"/>
               <a:t>int</a:t>
             </a:r>
             <a:r>
-              <a:rPr lang="en-IN" dirty="0" smtClean="0"/>
+              <a:rPr lang="en-IN" dirty="0"/>
               <a:t> salary;</a:t>
             </a:r>
           </a:p>
@@ -3817,15 +3813,15 @@
               <a:buNone/>
             </a:pPr>
             <a:r>
-              <a:rPr lang="en-IN" dirty="0" smtClean="0"/>
+              <a:rPr lang="en-IN" dirty="0"/>
               <a:t>}</a:t>
             </a:r>
             <a:r>
-              <a:rPr lang="en-IN" dirty="0" err="1" smtClean="0"/>
+              <a:rPr lang="en-IN" dirty="0" err="1"/>
               <a:t>emp</a:t>
             </a:r>
             <a:r>
-              <a:rPr lang="en-IN" dirty="0" smtClean="0"/>
+              <a:rPr lang="en-IN" dirty="0"/>
               <a:t>;</a:t>
             </a:r>
           </a:p>
@@ -3834,7 +3830,7 @@
               <a:buNone/>
             </a:pPr>
             <a:r>
-              <a:rPr lang="en-IN" dirty="0" smtClean="0"/>
+              <a:rPr lang="en-IN" dirty="0"/>
               <a:t> </a:t>
             </a:r>
           </a:p>
@@ -3843,7 +3839,7 @@
               <a:buNone/>
             </a:pPr>
             <a:r>
-              <a:rPr lang="en-IN" dirty="0" smtClean="0"/>
+              <a:rPr lang="en-IN" dirty="0"/>
               <a:t>void main( )</a:t>
             </a:r>
           </a:p>
@@ -3852,7 +3848,7 @@
               <a:buNone/>
             </a:pPr>
             <a:r>
-              <a:rPr lang="en-IN" dirty="0" smtClean="0"/>
+              <a:rPr lang="en-IN" dirty="0"/>
               <a:t>{</a:t>
             </a:r>
           </a:p>
@@ -3861,15 +3857,15 @@
               <a:buNone/>
             </a:pPr>
             <a:r>
-              <a:rPr lang="en-IN" dirty="0" smtClean="0"/>
+              <a:rPr lang="en-IN" dirty="0"/>
               <a:t>    </a:t>
             </a:r>
             <a:r>
-              <a:rPr lang="en-IN" dirty="0" err="1" smtClean="0"/>
+              <a:rPr lang="en-IN" dirty="0" err="1"/>
               <a:t>emp</a:t>
             </a:r>
             <a:r>
-              <a:rPr lang="en-IN" dirty="0" smtClean="0"/>
+              <a:rPr lang="en-IN" dirty="0"/>
               <a:t> e1;</a:t>
             </a:r>
           </a:p>
@@ -3878,23 +3874,23 @@
               <a:buNone/>
             </a:pPr>
             <a:r>
-              <a:rPr lang="en-IN" dirty="0" smtClean="0"/>
+              <a:rPr lang="en-IN" dirty="0"/>
               <a:t>    </a:t>
             </a:r>
             <a:r>
-              <a:rPr lang="en-IN" dirty="0" err="1" smtClean="0"/>
+              <a:rPr lang="en-IN" dirty="0" err="1"/>
               <a:t>printf</a:t>
             </a:r>
             <a:r>
-              <a:rPr lang="en-IN" dirty="0" smtClean="0"/>
+              <a:rPr lang="en-IN" dirty="0"/>
               <a:t>("\</a:t>
             </a:r>
             <a:r>
-              <a:rPr lang="en-IN" dirty="0" err="1" smtClean="0"/>
+              <a:rPr lang="en-IN" dirty="0" err="1"/>
               <a:t>nEnter</a:t>
             </a:r>
             <a:r>
-              <a:rPr lang="en-IN" dirty="0" smtClean="0"/>
+              <a:rPr lang="en-IN" dirty="0"/>
               <a:t> Employee record:\n");</a:t>
             </a:r>
           </a:p>
@@ -3903,23 +3899,23 @@
               <a:buNone/>
             </a:pPr>
             <a:r>
-              <a:rPr lang="en-IN" dirty="0" smtClean="0"/>
+              <a:rPr lang="en-IN" dirty="0"/>
               <a:t>    </a:t>
             </a:r>
             <a:r>
-              <a:rPr lang="en-IN" dirty="0" err="1" smtClean="0"/>
+              <a:rPr lang="en-IN" dirty="0" err="1"/>
               <a:t>printf</a:t>
             </a:r>
             <a:r>
-              <a:rPr lang="en-IN" dirty="0" smtClean="0"/>
+              <a:rPr lang="en-IN" dirty="0"/>
               <a:t>("\</a:t>
             </a:r>
             <a:r>
-              <a:rPr lang="en-IN" dirty="0" err="1" smtClean="0"/>
+              <a:rPr lang="en-IN" dirty="0" err="1"/>
               <a:t>nEmployee</a:t>
             </a:r>
             <a:r>
-              <a:rPr lang="en-IN" dirty="0" smtClean="0"/>
+              <a:rPr lang="en-IN" dirty="0"/>
               <a:t> name:\t");</a:t>
             </a:r>
           </a:p>
@@ -3928,15 +3924,15 @@
               <a:buNone/>
             </a:pPr>
             <a:r>
-              <a:rPr lang="en-IN" dirty="0" smtClean="0"/>
+              <a:rPr lang="en-IN" dirty="0"/>
               <a:t>    </a:t>
             </a:r>
             <a:r>
-              <a:rPr lang="en-IN" dirty="0" err="1" smtClean="0"/>
+              <a:rPr lang="en-IN" dirty="0" err="1"/>
               <a:t>scanf</a:t>
             </a:r>
             <a:r>
-              <a:rPr lang="en-IN" dirty="0" smtClean="0"/>
+              <a:rPr lang="en-IN" dirty="0"/>
               <a:t>("%s", e1.name);</a:t>
             </a:r>
           </a:p>
@@ -3945,23 +3941,23 @@
               <a:buNone/>
             </a:pPr>
             <a:r>
-              <a:rPr lang="en-IN" dirty="0" smtClean="0"/>
+              <a:rPr lang="en-IN" dirty="0"/>
               <a:t>    </a:t>
             </a:r>
             <a:r>
-              <a:rPr lang="en-IN" dirty="0" err="1" smtClean="0"/>
+              <a:rPr lang="en-IN" dirty="0" err="1"/>
               <a:t>printf</a:t>
             </a:r>
             <a:r>
-              <a:rPr lang="en-IN" dirty="0" smtClean="0"/>
+              <a:rPr lang="en-IN" dirty="0"/>
               <a:t>("\</a:t>
             </a:r>
             <a:r>
-              <a:rPr lang="en-IN" dirty="0" err="1" smtClean="0"/>
+              <a:rPr lang="en-IN" dirty="0" err="1"/>
               <a:t>nEnter</a:t>
             </a:r>
             <a:r>
-              <a:rPr lang="en-IN" dirty="0" smtClean="0"/>
+              <a:rPr lang="en-IN" dirty="0"/>
               <a:t> Employee salary: \t");</a:t>
             </a:r>
           </a:p>
@@ -3970,15 +3966,15 @@
               <a:buNone/>
             </a:pPr>
             <a:r>
-              <a:rPr lang="en-IN" dirty="0" smtClean="0"/>
+              <a:rPr lang="en-IN" dirty="0"/>
               <a:t>    </a:t>
             </a:r>
             <a:r>
-              <a:rPr lang="en-IN" dirty="0" err="1" smtClean="0"/>
+              <a:rPr lang="en-IN" dirty="0" err="1"/>
               <a:t>scanf</a:t>
             </a:r>
             <a:r>
-              <a:rPr lang="en-IN" dirty="0" smtClean="0"/>
+              <a:rPr lang="en-IN" dirty="0"/>
               <a:t>("%d", &amp;e1.salary);</a:t>
             </a:r>
           </a:p>
@@ -3987,23 +3983,23 @@
               <a:buNone/>
             </a:pPr>
             <a:r>
-              <a:rPr lang="en-IN" dirty="0" smtClean="0"/>
+              <a:rPr lang="en-IN" dirty="0"/>
               <a:t>    </a:t>
             </a:r>
             <a:r>
-              <a:rPr lang="en-IN" dirty="0" err="1" smtClean="0"/>
+              <a:rPr lang="en-IN" dirty="0" err="1"/>
               <a:t>printf</a:t>
             </a:r>
             <a:r>
-              <a:rPr lang="en-IN" dirty="0" smtClean="0"/>
+              <a:rPr lang="en-IN" dirty="0"/>
               <a:t>("\</a:t>
             </a:r>
             <a:r>
-              <a:rPr lang="en-IN" dirty="0" err="1" smtClean="0"/>
+              <a:rPr lang="en-IN" dirty="0" err="1"/>
               <a:t>nstudent</a:t>
             </a:r>
             <a:r>
-              <a:rPr lang="en-IN" dirty="0" smtClean="0"/>
+              <a:rPr lang="en-IN" dirty="0"/>
               <a:t> name is %s", e1.name);</a:t>
             </a:r>
           </a:p>
@@ -4012,23 +4008,23 @@
               <a:buNone/>
             </a:pPr>
             <a:r>
-              <a:rPr lang="en-IN" dirty="0" smtClean="0"/>
+              <a:rPr lang="en-IN" dirty="0"/>
               <a:t>    </a:t>
             </a:r>
             <a:r>
-              <a:rPr lang="en-IN" dirty="0" err="1" smtClean="0"/>
+              <a:rPr lang="en-IN" dirty="0" err="1"/>
               <a:t>printf</a:t>
             </a:r>
             <a:r>
-              <a:rPr lang="en-IN" dirty="0" smtClean="0"/>
+              <a:rPr lang="en-IN" dirty="0"/>
               <a:t>("\</a:t>
             </a:r>
             <a:r>
-              <a:rPr lang="en-IN" dirty="0" err="1" smtClean="0"/>
+              <a:rPr lang="en-IN" dirty="0" err="1"/>
               <a:t>nroll</a:t>
             </a:r>
             <a:r>
-              <a:rPr lang="en-IN" dirty="0" smtClean="0"/>
+              <a:rPr lang="en-IN" dirty="0"/>
               <a:t> is %d", e1.salary);</a:t>
             </a:r>
           </a:p>
@@ -4037,10 +4033,9 @@
               <a:buNone/>
             </a:pPr>
             <a:r>
-              <a:rPr lang="en-IN" dirty="0" smtClean="0"/>
+              <a:rPr lang="en-IN" dirty="0"/>
               <a:t>}</a:t>
             </a:r>
-            <a:endParaRPr lang="en-IN" dirty="0"/>
           </a:p>
         </p:txBody>
       </p:sp>
@@ -4090,11 +4085,11 @@
           <a:lstStyle/>
           <a:p>
             <a:r>
-              <a:rPr lang="en-US" dirty="0" err="1" smtClean="0"/>
+              <a:rPr lang="en-US" dirty="0" err="1"/>
               <a:t>typedef</a:t>
             </a:r>
             <a:r>
-              <a:rPr lang="en-US" dirty="0" smtClean="0"/>
+              <a:rPr lang="en-US" dirty="0"/>
               <a:t> in pointers</a:t>
             </a:r>
             <a:endParaRPr lang="en-IN" dirty="0"/>
@@ -4120,27 +4115,27 @@
               <a:buNone/>
             </a:pPr>
             <a:r>
-              <a:rPr lang="en-IN" dirty="0" err="1" smtClean="0"/>
+              <a:rPr lang="en-IN" dirty="0" err="1"/>
               <a:t>typedef</a:t>
             </a:r>
             <a:r>
-              <a:rPr lang="en-IN" dirty="0" smtClean="0"/>
+              <a:rPr lang="en-IN" dirty="0"/>
               <a:t> </a:t>
             </a:r>
             <a:r>
-              <a:rPr lang="en-IN" dirty="0" err="1" smtClean="0"/>
+              <a:rPr lang="en-IN" dirty="0" err="1"/>
               <a:t>int</a:t>
             </a:r>
             <a:r>
-              <a:rPr lang="en-IN" dirty="0" smtClean="0"/>
+              <a:rPr lang="en-IN" dirty="0"/>
               <a:t>* </a:t>
             </a:r>
             <a:r>
-              <a:rPr lang="en-IN" dirty="0" err="1" smtClean="0"/>
+              <a:rPr lang="en-IN" dirty="0" err="1"/>
               <a:t>IntPtr</a:t>
             </a:r>
             <a:r>
-              <a:rPr lang="en-IN" dirty="0" smtClean="0"/>
+              <a:rPr lang="en-IN" dirty="0"/>
               <a:t>;</a:t>
             </a:r>
           </a:p>
@@ -4149,14 +4144,13 @@
               <a:buNone/>
             </a:pPr>
             <a:r>
-              <a:rPr lang="en-IN" dirty="0" err="1" smtClean="0"/>
+              <a:rPr lang="en-IN" dirty="0" err="1"/>
               <a:t>IntPtr</a:t>
             </a:r>
             <a:r>
-              <a:rPr lang="en-IN" dirty="0" smtClean="0"/>
+              <a:rPr lang="en-IN" dirty="0"/>
               <a:t> x, y, z;</a:t>
             </a:r>
-            <a:endParaRPr lang="en-IN" dirty="0"/>
           </a:p>
         </p:txBody>
       </p:sp>
@@ -4214,10 +4208,9 @@
           <a:p>
             <a:pPr marL="285750" indent="-285750"/>
             <a:r>
-              <a:rPr lang="en-US" sz="3600" dirty="0" smtClean="0"/>
+              <a:rPr lang="en-US" sz="3600" dirty="0"/>
               <a:t>Functions with varying number of arguments</a:t>
             </a:r>
-            <a:endParaRPr lang="en-US" sz="3600" dirty="0" smtClean="0"/>
           </a:p>
         </p:txBody>
       </p:sp>
@@ -4246,36 +4239,19 @@
             <a:pPr algn="just"/>
             <a:r>
               <a:rPr lang="en-US" dirty="0"/>
-              <a:t> T</a:t>
-            </a:r>
-            <a:r>
-              <a:rPr lang="en-US" dirty="0" smtClean="0"/>
-              <a:t>o </a:t>
-            </a:r>
-            <a:r>
-              <a:rPr lang="en-US" dirty="0"/>
-              <a:t>define a function which can accept variable number of parameters based on your </a:t>
-            </a:r>
-            <a:r>
-              <a:rPr lang="en-US" dirty="0" smtClean="0"/>
-              <a:t>requirement</a:t>
-            </a:r>
-            <a:r>
-              <a:rPr lang="en-US" dirty="0"/>
-              <a:t>. </a:t>
-            </a:r>
-            <a:endParaRPr lang="en-US" dirty="0" smtClean="0"/>
+              <a:t> To define a function which can accept variable number of parameters based on your requirement. </a:t>
+            </a:r>
           </a:p>
           <a:p>
             <a:pPr algn="just"/>
-            <a:endParaRPr lang="en-US" dirty="0" smtClean="0"/>
+            <a:endParaRPr lang="en-US" dirty="0"/>
           </a:p>
           <a:p>
             <a:pPr marL="0" indent="0" algn="just">
               <a:buNone/>
             </a:pPr>
             <a:r>
-              <a:rPr lang="en-US" dirty="0" err="1" smtClean="0">
+              <a:rPr lang="en-US" dirty="0" err="1">
                 <a:solidFill>
                   <a:srgbClr val="FF0000"/>
                 </a:solidFill>
@@ -4283,7 +4259,7 @@
               <a:t>int</a:t>
             </a:r>
             <a:r>
-              <a:rPr lang="en-US" dirty="0" smtClean="0">
+              <a:rPr lang="en-US" dirty="0">
                 <a:solidFill>
                   <a:srgbClr val="FF0000"/>
                 </a:solidFill>
@@ -4291,7 +4267,7 @@
               <a:t> </a:t>
             </a:r>
             <a:r>
-              <a:rPr lang="en-US" dirty="0" err="1" smtClean="0">
+              <a:rPr lang="en-US" dirty="0" err="1">
                 <a:solidFill>
                   <a:srgbClr val="FF0000"/>
                 </a:solidFill>
@@ -4299,7 +4275,7 @@
               <a:t>func</a:t>
             </a:r>
             <a:r>
-              <a:rPr lang="en-US" dirty="0" smtClean="0">
+              <a:rPr lang="en-US" dirty="0">
                 <a:solidFill>
                   <a:srgbClr val="FF0000"/>
                 </a:solidFill>
@@ -4307,7 +4283,7 @@
               <a:t>(</a:t>
             </a:r>
             <a:r>
-              <a:rPr lang="en-US" dirty="0" err="1" smtClean="0">
+              <a:rPr lang="en-US" dirty="0" err="1">
                 <a:solidFill>
                   <a:srgbClr val="FF0000"/>
                 </a:solidFill>
@@ -4315,7 +4291,7 @@
               <a:t>int</a:t>
             </a:r>
             <a:r>
-              <a:rPr lang="en-US" dirty="0" smtClean="0">
+              <a:rPr lang="en-US" dirty="0">
                 <a:solidFill>
                   <a:srgbClr val="FF0000"/>
                 </a:solidFill>
@@ -4328,7 +4304,7 @@
               <a:buNone/>
             </a:pPr>
             <a:r>
-              <a:rPr lang="en-US" dirty="0" smtClean="0">
+              <a:rPr lang="en-US" dirty="0">
                 <a:solidFill>
                   <a:srgbClr val="FF0000"/>
                 </a:solidFill>
@@ -4341,7 +4317,7 @@
               <a:buNone/>
             </a:pPr>
             <a:r>
-              <a:rPr lang="en-US" dirty="0" smtClean="0">
+              <a:rPr lang="en-US" dirty="0">
                 <a:solidFill>
                   <a:srgbClr val="FF0000"/>
                 </a:solidFill>
@@ -4354,7 +4330,7 @@
               <a:buNone/>
             </a:pPr>
             <a:r>
-              <a:rPr lang="en-US" dirty="0" smtClean="0">
+              <a:rPr lang="en-US" dirty="0">
                 <a:solidFill>
                   <a:srgbClr val="FF0000"/>
                 </a:solidFill>
@@ -4367,7 +4343,7 @@
               <a:buNone/>
             </a:pPr>
             <a:r>
-              <a:rPr lang="en-US" dirty="0" smtClean="0">
+              <a:rPr lang="en-US" dirty="0">
                 <a:solidFill>
                   <a:srgbClr val="FF0000"/>
                 </a:solidFill>
@@ -4380,7 +4356,7 @@
               <a:buNone/>
             </a:pPr>
             <a:r>
-              <a:rPr lang="en-US" dirty="0" smtClean="0">
+              <a:rPr lang="en-US" dirty="0">
                 <a:solidFill>
                   <a:srgbClr val="FF0000"/>
                 </a:solidFill>
@@ -4392,7 +4368,7 @@
             <a:pPr marL="0" indent="0" algn="just">
               <a:buNone/>
             </a:pPr>
-            <a:endParaRPr lang="en-US" dirty="0" smtClean="0">
+            <a:endParaRPr lang="en-US" dirty="0">
               <a:solidFill>
                 <a:srgbClr val="FF0000"/>
               </a:solidFill>
@@ -4403,7 +4379,7 @@
               <a:buNone/>
             </a:pPr>
             <a:r>
-              <a:rPr lang="en-US" dirty="0" err="1" smtClean="0">
+              <a:rPr lang="en-US" dirty="0" err="1">
                 <a:solidFill>
                   <a:srgbClr val="FF0000"/>
                 </a:solidFill>
@@ -4411,7 +4387,7 @@
               <a:t>int</a:t>
             </a:r>
             <a:r>
-              <a:rPr lang="en-US" dirty="0" smtClean="0">
+              <a:rPr lang="en-US" dirty="0">
                 <a:solidFill>
                   <a:srgbClr val="FF0000"/>
                 </a:solidFill>
@@ -4424,7 +4400,7 @@
               <a:buNone/>
             </a:pPr>
             <a:r>
-              <a:rPr lang="en-US" dirty="0" smtClean="0">
+              <a:rPr lang="en-US" dirty="0">
                 <a:solidFill>
                   <a:srgbClr val="FF0000"/>
                 </a:solidFill>
@@ -4432,7 +4408,7 @@
               <a:t>   </a:t>
             </a:r>
             <a:r>
-              <a:rPr lang="en-US" dirty="0" err="1" smtClean="0">
+              <a:rPr lang="en-US" dirty="0" err="1">
                 <a:solidFill>
                   <a:srgbClr val="FF0000"/>
                 </a:solidFill>
@@ -4440,7 +4416,7 @@
               <a:t>func</a:t>
             </a:r>
             <a:r>
-              <a:rPr lang="en-US" dirty="0" smtClean="0">
+              <a:rPr lang="en-US" dirty="0">
                 <a:solidFill>
                   <a:srgbClr val="FF0000"/>
                 </a:solidFill>
@@ -4453,7 +4429,7 @@
               <a:buNone/>
             </a:pPr>
             <a:r>
-              <a:rPr lang="en-US" dirty="0" smtClean="0">
+              <a:rPr lang="en-US" dirty="0">
                 <a:solidFill>
                   <a:srgbClr val="FF0000"/>
                 </a:solidFill>
@@ -4461,7 +4437,7 @@
               <a:t>   </a:t>
             </a:r>
             <a:r>
-              <a:rPr lang="en-US" dirty="0" err="1" smtClean="0">
+              <a:rPr lang="en-US" dirty="0" err="1">
                 <a:solidFill>
                   <a:srgbClr val="FF0000"/>
                 </a:solidFill>
@@ -4469,7 +4445,7 @@
               <a:t>func</a:t>
             </a:r>
             <a:r>
-              <a:rPr lang="en-US" dirty="0" smtClean="0">
+              <a:rPr lang="en-US" dirty="0">
                 <a:solidFill>
                   <a:srgbClr val="FF0000"/>
                 </a:solidFill>
@@ -4482,7 +4458,7 @@
               <a:buNone/>
             </a:pPr>
             <a:r>
-              <a:rPr lang="en-US" dirty="0" smtClean="0">
+              <a:rPr lang="en-US" dirty="0">
                 <a:solidFill>
                   <a:srgbClr val="FF0000"/>
                 </a:solidFill>
@@ -4549,7 +4525,7 @@
           <a:lstStyle/>
           <a:p>
             <a:r>
-              <a:rPr lang="en-US" dirty="0" smtClean="0"/>
+              <a:rPr lang="en-US" dirty="0"/>
               <a:t>Varying arguments</a:t>
             </a:r>
             <a:endParaRPr lang="en-IN" dirty="0"/>
@@ -4579,42 +4555,32 @@
           <a:lstStyle/>
           <a:p>
             <a:r>
-              <a:rPr lang="en-US" b="1" dirty="0" err="1" smtClean="0"/>
+              <a:rPr lang="en-US" b="1" dirty="0" err="1"/>
               <a:t>stdarg.h</a:t>
             </a:r>
             <a:r>
-              <a:rPr lang="en-US" b="1" dirty="0" smtClean="0"/>
+              <a:rPr lang="en-US" b="1" dirty="0"/>
               <a:t> header file is used</a:t>
             </a:r>
           </a:p>
           <a:p>
             <a:pPr lvl="1"/>
             <a:r>
-              <a:rPr lang="en-US" dirty="0" smtClean="0"/>
+              <a:rPr lang="en-US" dirty="0"/>
               <a:t>provides the functions and macros to implement the functionality of variable arguments</a:t>
             </a:r>
-            <a:endParaRPr lang="en-US" dirty="0" smtClean="0"/>
-          </a:p>
-          <a:p>
-            <a:r>
-              <a:rPr lang="en-US" b="1" dirty="0" smtClean="0"/>
-              <a:t>ellipses</a:t>
-            </a:r>
+          </a:p>
+          <a:p>
             <a:r>
               <a:rPr lang="en-US" b="1" dirty="0"/>
-              <a:t>, i.e. three dotes (...) </a:t>
-            </a:r>
-            <a:endParaRPr lang="en-US" b="1" dirty="0" smtClean="0"/>
+              <a:t>ellipses, i.e. three dotes (...) </a:t>
+            </a:r>
           </a:p>
           <a:p>
             <a:pPr lvl="1"/>
             <a:r>
-              <a:rPr lang="en-US" dirty="0" smtClean="0"/>
-              <a:t>and </a:t>
-            </a:r>
-            <a:r>
               <a:rPr lang="en-US" dirty="0"/>
-              <a:t>the one just before the ellipses is always an </a:t>
+              <a:t>and the one just before the ellipses is always an </a:t>
             </a:r>
             <a:r>
               <a:rPr lang="en-US" b="1" dirty="0" err="1"/>
@@ -4624,23 +4590,18 @@
               <a:rPr lang="en-US" dirty="0"/>
               <a:t> which will represent the total number variable arguments passed. </a:t>
             </a:r>
-            <a:endParaRPr lang="en-US" dirty="0" smtClean="0"/>
-          </a:p>
-          <a:p>
-            <a:r>
-              <a:rPr lang="en-US" b="1" dirty="0" smtClean="0"/>
+          </a:p>
+          <a:p>
+            <a:r>
+              <a:rPr lang="en-US" b="1" dirty="0"/>
               <a:t>Steps to define the function</a:t>
             </a:r>
           </a:p>
           <a:p>
             <a:pPr lvl="1"/>
             <a:r>
-              <a:rPr lang="en-US" dirty="0" smtClean="0"/>
-              <a:t>Create </a:t>
-            </a:r>
-            <a:r>
               <a:rPr lang="en-US" dirty="0"/>
-              <a:t>a </a:t>
+              <a:t>Create a </a:t>
             </a:r>
             <a:r>
               <a:rPr lang="en-US" b="1" dirty="0" err="1"/>
@@ -4784,7 +4745,7 @@
           <a:lstStyle/>
           <a:p>
             <a:r>
-              <a:rPr lang="en-US" dirty="0" smtClean="0"/>
+              <a:rPr lang="en-US" dirty="0"/>
               <a:t>Example</a:t>
             </a:r>
             <a:endParaRPr lang="en-IN" dirty="0"/>
@@ -4822,15 +4783,15 @@
               <a:buNone/>
             </a:pPr>
             <a:r>
-              <a:rPr lang="en-IN" dirty="0" smtClean="0"/>
+              <a:rPr lang="en-IN" dirty="0"/>
               <a:t>#include &lt;</a:t>
             </a:r>
             <a:r>
-              <a:rPr lang="en-IN" dirty="0" err="1" smtClean="0"/>
+              <a:rPr lang="en-IN" dirty="0" err="1"/>
               <a:t>stdio.h</a:t>
             </a:r>
             <a:r>
-              <a:rPr lang="en-IN" dirty="0" smtClean="0"/>
+              <a:rPr lang="en-IN" dirty="0"/>
               <a:t>&gt;</a:t>
             </a:r>
           </a:p>
@@ -4839,7 +4800,7 @@
               <a:buNone/>
             </a:pPr>
             <a:r>
-              <a:rPr lang="en-IN" dirty="0" smtClean="0">
+              <a:rPr lang="en-IN" dirty="0">
                 <a:solidFill>
                   <a:srgbClr val="FF0000"/>
                 </a:solidFill>
@@ -4847,7 +4808,7 @@
               <a:t>#include &lt;</a:t>
             </a:r>
             <a:r>
-              <a:rPr lang="en-IN" dirty="0" err="1" smtClean="0">
+              <a:rPr lang="en-IN" dirty="0" err="1">
                 <a:solidFill>
                   <a:srgbClr val="FF0000"/>
                 </a:solidFill>
@@ -4855,7 +4816,7 @@
               <a:t>stdarg.h</a:t>
             </a:r>
             <a:r>
-              <a:rPr lang="en-IN" dirty="0" smtClean="0">
+              <a:rPr lang="en-IN" dirty="0">
                 <a:solidFill>
                   <a:srgbClr val="FF0000"/>
                 </a:solidFill>
@@ -4867,18 +4828,18 @@
             <a:pPr marL="0" indent="0">
               <a:buNone/>
             </a:pPr>
-            <a:endParaRPr lang="en-IN" dirty="0" smtClean="0"/>
-          </a:p>
-          <a:p>
-            <a:pPr marL="0" indent="0">
-              <a:buNone/>
-            </a:pPr>
-            <a:r>
-              <a:rPr lang="en-IN" dirty="0" smtClean="0"/>
+            <a:endParaRPr lang="en-IN" dirty="0"/>
+          </a:p>
+          <a:p>
+            <a:pPr marL="0" indent="0">
+              <a:buNone/>
+            </a:pPr>
+            <a:r>
+              <a:rPr lang="en-IN" dirty="0"/>
               <a:t>double average(</a:t>
             </a:r>
             <a:r>
-              <a:rPr lang="en-IN" dirty="0" err="1" smtClean="0">
+              <a:rPr lang="en-IN" dirty="0" err="1">
                 <a:solidFill>
                   <a:srgbClr val="FF0000"/>
                 </a:solidFill>
@@ -4886,7 +4847,7 @@
               <a:t>int</a:t>
             </a:r>
             <a:r>
-              <a:rPr lang="en-IN" dirty="0" smtClean="0">
+              <a:rPr lang="en-IN" dirty="0">
                 <a:solidFill>
                   <a:srgbClr val="FF0000"/>
                 </a:solidFill>
@@ -4894,7 +4855,7 @@
               <a:t> </a:t>
             </a:r>
             <a:r>
-              <a:rPr lang="en-IN" dirty="0" err="1" smtClean="0">
+              <a:rPr lang="en-IN" dirty="0" err="1">
                 <a:solidFill>
                   <a:srgbClr val="FF0000"/>
                 </a:solidFill>
@@ -4902,7 +4863,7 @@
               <a:t>num</a:t>
             </a:r>
             <a:r>
-              <a:rPr lang="en-IN" dirty="0" smtClean="0">
+              <a:rPr lang="en-IN" dirty="0">
                 <a:solidFill>
                   <a:srgbClr val="FF0000"/>
                 </a:solidFill>
@@ -4910,7 +4871,7 @@
               <a:t>,...) </a:t>
             </a:r>
             <a:r>
-              <a:rPr lang="en-IN" dirty="0" smtClean="0"/>
+              <a:rPr lang="en-IN" dirty="0"/>
               <a:t>{</a:t>
             </a:r>
           </a:p>
@@ -4918,14 +4879,14 @@
             <a:pPr marL="0" indent="0">
               <a:buNone/>
             </a:pPr>
-            <a:endParaRPr lang="en-IN" dirty="0" smtClean="0"/>
-          </a:p>
-          <a:p>
-            <a:pPr marL="0" indent="0">
-              <a:buNone/>
-            </a:pPr>
-            <a:r>
-              <a:rPr lang="en-IN" dirty="0" smtClean="0">
+            <a:endParaRPr lang="en-IN" dirty="0"/>
+          </a:p>
+          <a:p>
+            <a:pPr marL="0" indent="0">
+              <a:buNone/>
+            </a:pPr>
+            <a:r>
+              <a:rPr lang="en-IN" dirty="0">
                 <a:solidFill>
                   <a:srgbClr val="FF0000"/>
                 </a:solidFill>
@@ -4933,7 +4894,7 @@
               <a:t>   </a:t>
             </a:r>
             <a:r>
-              <a:rPr lang="en-IN" dirty="0" err="1" smtClean="0">
+              <a:rPr lang="en-IN" dirty="0" err="1">
                 <a:solidFill>
                   <a:srgbClr val="FF0000"/>
                 </a:solidFill>
@@ -4941,7 +4902,7 @@
               <a:t>va_list</a:t>
             </a:r>
             <a:r>
-              <a:rPr lang="en-IN" dirty="0" smtClean="0">
+              <a:rPr lang="en-IN" dirty="0">
                 <a:solidFill>
                   <a:srgbClr val="FF0000"/>
                 </a:solidFill>
@@ -4949,7 +4910,7 @@
               <a:t> </a:t>
             </a:r>
             <a:r>
-              <a:rPr lang="en-IN" dirty="0" err="1" smtClean="0">
+              <a:rPr lang="en-IN" dirty="0" err="1">
                 <a:solidFill>
                   <a:srgbClr val="FF0000"/>
                 </a:solidFill>
@@ -4957,7 +4918,7 @@
               <a:t>valist</a:t>
             </a:r>
             <a:r>
-              <a:rPr lang="en-IN" dirty="0" smtClean="0">
+              <a:rPr lang="en-IN" dirty="0">
                 <a:solidFill>
                   <a:srgbClr val="FF0000"/>
                 </a:solidFill>
@@ -4970,7 +4931,7 @@
               <a:buNone/>
             </a:pPr>
             <a:r>
-              <a:rPr lang="en-IN" dirty="0" smtClean="0"/>
+              <a:rPr lang="en-IN" dirty="0"/>
               <a:t>   double sum = 0.0;</a:t>
             </a:r>
           </a:p>
@@ -4979,23 +4940,23 @@
               <a:buNone/>
             </a:pPr>
             <a:r>
-              <a:rPr lang="en-IN" dirty="0" smtClean="0"/>
+              <a:rPr lang="en-IN" dirty="0"/>
               <a:t>   </a:t>
             </a:r>
             <a:r>
-              <a:rPr lang="en-IN" dirty="0" err="1" smtClean="0"/>
+              <a:rPr lang="en-IN" dirty="0" err="1"/>
               <a:t>int</a:t>
             </a:r>
             <a:r>
-              <a:rPr lang="en-IN" dirty="0" smtClean="0"/>
+              <a:rPr lang="en-IN" dirty="0"/>
               <a:t> </a:t>
             </a:r>
             <a:r>
-              <a:rPr lang="en-IN" dirty="0" err="1" smtClean="0"/>
+              <a:rPr lang="en-IN" dirty="0" err="1"/>
               <a:t>i</a:t>
             </a:r>
             <a:r>
-              <a:rPr lang="en-IN" dirty="0" smtClean="0"/>
+              <a:rPr lang="en-IN" dirty="0"/>
               <a:t>;</a:t>
             </a:r>
           </a:p>
@@ -5003,30 +4964,30 @@
             <a:pPr marL="0" indent="0">
               <a:buNone/>
             </a:pPr>
-            <a:endParaRPr lang="en-IN" dirty="0" smtClean="0"/>
-          </a:p>
-          <a:p>
-            <a:pPr marL="0" indent="0">
-              <a:buNone/>
-            </a:pPr>
-            <a:r>
-              <a:rPr lang="en-IN" dirty="0" smtClean="0"/>
+            <a:endParaRPr lang="en-IN" dirty="0"/>
+          </a:p>
+          <a:p>
+            <a:pPr marL="0" indent="0">
+              <a:buNone/>
+            </a:pPr>
+            <a:r>
+              <a:rPr lang="en-IN" dirty="0"/>
               <a:t>   /* initialize </a:t>
             </a:r>
             <a:r>
-              <a:rPr lang="en-IN" dirty="0" err="1" smtClean="0"/>
+              <a:rPr lang="en-IN" dirty="0" err="1"/>
               <a:t>valist</a:t>
             </a:r>
             <a:r>
-              <a:rPr lang="en-IN" dirty="0" smtClean="0"/>
+              <a:rPr lang="en-IN" dirty="0"/>
               <a:t> for </a:t>
             </a:r>
             <a:r>
-              <a:rPr lang="en-IN" dirty="0" err="1" smtClean="0"/>
+              <a:rPr lang="en-IN" dirty="0" err="1"/>
               <a:t>num</a:t>
             </a:r>
             <a:r>
-              <a:rPr lang="en-IN" dirty="0" smtClean="0"/>
+              <a:rPr lang="en-IN" dirty="0"/>
               <a:t> number of arguments */</a:t>
             </a:r>
           </a:p>
@@ -5035,11 +4996,11 @@
               <a:buNone/>
             </a:pPr>
             <a:r>
-              <a:rPr lang="en-IN" dirty="0" smtClean="0"/>
+              <a:rPr lang="en-IN" dirty="0"/>
               <a:t>   </a:t>
             </a:r>
             <a:r>
-              <a:rPr lang="en-IN" dirty="0" err="1" smtClean="0">
+              <a:rPr lang="en-IN" dirty="0" err="1">
                 <a:solidFill>
                   <a:srgbClr val="FF0000"/>
                 </a:solidFill>
@@ -5047,7 +5008,7 @@
               <a:t>va_start</a:t>
             </a:r>
             <a:r>
-              <a:rPr lang="en-IN" dirty="0" smtClean="0">
+              <a:rPr lang="en-IN" dirty="0">
                 <a:solidFill>
                   <a:srgbClr val="FF0000"/>
                 </a:solidFill>
@@ -5055,7 +5016,7 @@
               <a:t>(</a:t>
             </a:r>
             <a:r>
-              <a:rPr lang="en-IN" dirty="0" err="1" smtClean="0">
+              <a:rPr lang="en-IN" dirty="0" err="1">
                 <a:solidFill>
                   <a:srgbClr val="FF0000"/>
                 </a:solidFill>
@@ -5063,7 +5024,7 @@
               <a:t>valist</a:t>
             </a:r>
             <a:r>
-              <a:rPr lang="en-IN" dirty="0" smtClean="0">
+              <a:rPr lang="en-IN" dirty="0">
                 <a:solidFill>
                   <a:srgbClr val="FF0000"/>
                 </a:solidFill>
@@ -5071,7 +5032,7 @@
               <a:t>, </a:t>
             </a:r>
             <a:r>
-              <a:rPr lang="en-IN" dirty="0" err="1" smtClean="0">
+              <a:rPr lang="en-IN" dirty="0" err="1">
                 <a:solidFill>
                   <a:srgbClr val="FF0000"/>
                 </a:solidFill>
@@ -5079,7 +5040,7 @@
               <a:t>num</a:t>
             </a:r>
             <a:r>
-              <a:rPr lang="en-IN" dirty="0" smtClean="0">
+              <a:rPr lang="en-IN" dirty="0">
                 <a:solidFill>
                   <a:srgbClr val="FF0000"/>
                 </a:solidFill>
@@ -5091,22 +5052,22 @@
             <a:pPr marL="0" indent="0">
               <a:buNone/>
             </a:pPr>
-            <a:endParaRPr lang="en-IN" dirty="0" smtClean="0"/>
-          </a:p>
-          <a:p>
-            <a:pPr marL="0" indent="0">
-              <a:buNone/>
-            </a:pPr>
-            <a:r>
-              <a:rPr lang="en-IN" dirty="0" smtClean="0"/>
+            <a:endParaRPr lang="en-IN" dirty="0"/>
+          </a:p>
+          <a:p>
+            <a:pPr marL="0" indent="0">
+              <a:buNone/>
+            </a:pPr>
+            <a:r>
+              <a:rPr lang="en-IN" dirty="0"/>
               <a:t>   /* access all the arguments assigned to </a:t>
             </a:r>
             <a:r>
-              <a:rPr lang="en-IN" dirty="0" err="1" smtClean="0"/>
+              <a:rPr lang="en-IN" dirty="0" err="1"/>
               <a:t>valist</a:t>
             </a:r>
             <a:r>
-              <a:rPr lang="en-IN" dirty="0" smtClean="0"/>
+              <a:rPr lang="en-IN" dirty="0"/>
               <a:t> */</a:t>
             </a:r>
           </a:p>
@@ -5143,39 +5104,39 @@
               <a:buNone/>
             </a:pPr>
             <a:r>
-              <a:rPr lang="en-IN" dirty="0" smtClean="0"/>
+              <a:rPr lang="en-IN" dirty="0"/>
               <a:t> for (</a:t>
             </a:r>
             <a:r>
-              <a:rPr lang="en-IN" dirty="0" err="1" smtClean="0"/>
+              <a:rPr lang="en-IN" dirty="0" err="1"/>
               <a:t>i</a:t>
             </a:r>
             <a:r>
-              <a:rPr lang="en-IN" dirty="0" smtClean="0"/>
+              <a:rPr lang="en-IN" dirty="0"/>
               <a:t> = 0; </a:t>
             </a:r>
             <a:r>
-              <a:rPr lang="en-IN" dirty="0" err="1" smtClean="0"/>
+              <a:rPr lang="en-IN" dirty="0" err="1"/>
               <a:t>i</a:t>
             </a:r>
             <a:r>
-              <a:rPr lang="en-IN" dirty="0" smtClean="0"/>
+              <a:rPr lang="en-IN" dirty="0"/>
               <a:t> &lt; </a:t>
             </a:r>
             <a:r>
-              <a:rPr lang="en-IN" dirty="0" err="1" smtClean="0"/>
+              <a:rPr lang="en-IN" dirty="0" err="1"/>
               <a:t>num</a:t>
             </a:r>
             <a:r>
-              <a:rPr lang="en-IN" dirty="0" smtClean="0"/>
+              <a:rPr lang="en-IN" dirty="0"/>
               <a:t>; </a:t>
             </a:r>
             <a:r>
-              <a:rPr lang="en-IN" dirty="0" err="1" smtClean="0"/>
+              <a:rPr lang="en-IN" dirty="0" err="1"/>
               <a:t>i</a:t>
             </a:r>
             <a:r>
-              <a:rPr lang="en-IN" dirty="0" smtClean="0"/>
+              <a:rPr lang="en-IN" dirty="0"/>
               <a:t>++) {</a:t>
             </a:r>
           </a:p>
@@ -5184,11 +5145,11 @@
               <a:buNone/>
             </a:pPr>
             <a:r>
-              <a:rPr lang="en-IN" dirty="0" smtClean="0"/>
+              <a:rPr lang="en-IN" dirty="0"/>
               <a:t>      sum += </a:t>
             </a:r>
             <a:r>
-              <a:rPr lang="en-IN" dirty="0" err="1" smtClean="0">
+              <a:rPr lang="en-IN" dirty="0" err="1">
                 <a:solidFill>
                   <a:srgbClr val="FF0000"/>
                 </a:solidFill>
@@ -5196,7 +5157,7 @@
               <a:t>va_arg</a:t>
             </a:r>
             <a:r>
-              <a:rPr lang="en-IN" dirty="0" smtClean="0">
+              <a:rPr lang="en-IN" dirty="0">
                 <a:solidFill>
                   <a:srgbClr val="FF0000"/>
                 </a:solidFill>
@@ -5204,7 +5165,7 @@
               <a:t>(</a:t>
             </a:r>
             <a:r>
-              <a:rPr lang="en-IN" dirty="0" err="1" smtClean="0">
+              <a:rPr lang="en-IN" dirty="0" err="1">
                 <a:solidFill>
                   <a:srgbClr val="FF0000"/>
                 </a:solidFill>
@@ -5212,7 +5173,7 @@
               <a:t>valist</a:t>
             </a:r>
             <a:r>
-              <a:rPr lang="en-IN" dirty="0" smtClean="0">
+              <a:rPr lang="en-IN" dirty="0">
                 <a:solidFill>
                   <a:srgbClr val="FF0000"/>
                 </a:solidFill>
@@ -5220,7 +5181,7 @@
               <a:t>, </a:t>
             </a:r>
             <a:r>
-              <a:rPr lang="en-IN" dirty="0" err="1" smtClean="0">
+              <a:rPr lang="en-IN" dirty="0" err="1">
                 <a:solidFill>
                   <a:srgbClr val="FF0000"/>
                 </a:solidFill>
@@ -5228,7 +5189,7 @@
               <a:t>int</a:t>
             </a:r>
             <a:r>
-              <a:rPr lang="en-IN" dirty="0" smtClean="0">
+              <a:rPr lang="en-IN" dirty="0">
                 <a:solidFill>
                   <a:srgbClr val="FF0000"/>
                 </a:solidFill>
@@ -5236,7 +5197,7 @@
               <a:t>)</a:t>
             </a:r>
             <a:r>
-              <a:rPr lang="en-IN" dirty="0" smtClean="0"/>
+              <a:rPr lang="en-IN" dirty="0"/>
               <a:t>;</a:t>
             </a:r>
           </a:p>
@@ -5245,7 +5206,7 @@
               <a:buNone/>
             </a:pPr>
             <a:r>
-              <a:rPr lang="en-IN" dirty="0" smtClean="0"/>
+              <a:rPr lang="en-IN" dirty="0"/>
               <a:t>   }</a:t>
             </a:r>
           </a:p>
@@ -5254,7 +5215,7 @@
               <a:buNone/>
             </a:pPr>
             <a:r>
-              <a:rPr lang="en-IN" dirty="0" smtClean="0"/>
+              <a:rPr lang="en-IN" dirty="0"/>
               <a:t>	</a:t>
             </a:r>
           </a:p>
@@ -5263,15 +5224,15 @@
               <a:buNone/>
             </a:pPr>
             <a:r>
-              <a:rPr lang="en-IN" dirty="0" smtClean="0"/>
+              <a:rPr lang="en-IN" dirty="0"/>
               <a:t>   /* clean memory reserved for </a:t>
             </a:r>
             <a:r>
-              <a:rPr lang="en-IN" dirty="0" err="1" smtClean="0"/>
+              <a:rPr lang="en-IN" dirty="0" err="1"/>
               <a:t>valist</a:t>
             </a:r>
             <a:r>
-              <a:rPr lang="en-IN" dirty="0" smtClean="0"/>
+              <a:rPr lang="en-IN" dirty="0"/>
               <a:t> */</a:t>
             </a:r>
           </a:p>
@@ -5280,11 +5241,11 @@
               <a:buNone/>
             </a:pPr>
             <a:r>
-              <a:rPr lang="en-IN" dirty="0" smtClean="0"/>
+              <a:rPr lang="en-IN" dirty="0"/>
               <a:t>   </a:t>
             </a:r>
             <a:r>
-              <a:rPr lang="en-IN" dirty="0" err="1" smtClean="0">
+              <a:rPr lang="en-IN" dirty="0" err="1">
                 <a:solidFill>
                   <a:srgbClr val="FF0000"/>
                 </a:solidFill>
@@ -5292,7 +5253,7 @@
               <a:t>va_end</a:t>
             </a:r>
             <a:r>
-              <a:rPr lang="en-IN" dirty="0" smtClean="0">
+              <a:rPr lang="en-IN" dirty="0">
                 <a:solidFill>
                   <a:srgbClr val="FF0000"/>
                 </a:solidFill>
@@ -5300,7 +5261,7 @@
               <a:t>(</a:t>
             </a:r>
             <a:r>
-              <a:rPr lang="en-IN" dirty="0" err="1" smtClean="0">
+              <a:rPr lang="en-IN" dirty="0" err="1">
                 <a:solidFill>
                   <a:srgbClr val="FF0000"/>
                 </a:solidFill>
@@ -5308,7 +5269,7 @@
               <a:t>valist</a:t>
             </a:r>
             <a:r>
-              <a:rPr lang="en-IN" dirty="0" smtClean="0">
+              <a:rPr lang="en-IN" dirty="0">
                 <a:solidFill>
                   <a:srgbClr val="FF0000"/>
                 </a:solidFill>
@@ -5320,22 +5281,22 @@
             <a:pPr marL="0" indent="0">
               <a:buNone/>
             </a:pPr>
-            <a:endParaRPr lang="en-IN" dirty="0" smtClean="0"/>
-          </a:p>
-          <a:p>
-            <a:pPr marL="0" indent="0">
-              <a:buNone/>
-            </a:pPr>
-            <a:r>
-              <a:rPr lang="en-IN" dirty="0" smtClean="0"/>
+            <a:endParaRPr lang="en-IN" dirty="0"/>
+          </a:p>
+          <a:p>
+            <a:pPr marL="0" indent="0">
+              <a:buNone/>
+            </a:pPr>
+            <a:r>
+              <a:rPr lang="en-IN" dirty="0"/>
               <a:t>   return sum/</a:t>
             </a:r>
             <a:r>
-              <a:rPr lang="en-IN" dirty="0" err="1" smtClean="0"/>
+              <a:rPr lang="en-IN" dirty="0" err="1"/>
               <a:t>num</a:t>
             </a:r>
             <a:r>
-              <a:rPr lang="en-IN" dirty="0" smtClean="0"/>
+              <a:rPr lang="en-IN" dirty="0"/>
               <a:t>;</a:t>
             </a:r>
           </a:p>
@@ -5344,7 +5305,7 @@
               <a:buNone/>
             </a:pPr>
             <a:r>
-              <a:rPr lang="en-IN" dirty="0" smtClean="0"/>
+              <a:rPr lang="en-IN" dirty="0"/>
               <a:t>}</a:t>
             </a:r>
           </a:p>
@@ -5352,18 +5313,18 @@
             <a:pPr marL="0" indent="0">
               <a:buNone/>
             </a:pPr>
-            <a:endParaRPr lang="en-IN" dirty="0" smtClean="0"/>
-          </a:p>
-          <a:p>
-            <a:pPr marL="0" indent="0">
-              <a:buNone/>
-            </a:pPr>
-            <a:r>
-              <a:rPr lang="en-IN" dirty="0" err="1" smtClean="0"/>
+            <a:endParaRPr lang="en-IN" dirty="0"/>
+          </a:p>
+          <a:p>
+            <a:pPr marL="0" indent="0">
+              <a:buNone/>
+            </a:pPr>
+            <a:r>
+              <a:rPr lang="en-IN" dirty="0" err="1"/>
               <a:t>int</a:t>
             </a:r>
             <a:r>
-              <a:rPr lang="en-IN" dirty="0" smtClean="0"/>
+              <a:rPr lang="en-IN" dirty="0"/>
               <a:t> main() {</a:t>
             </a:r>
           </a:p>
@@ -5372,19 +5333,19 @@
               <a:buNone/>
             </a:pPr>
             <a:r>
-              <a:rPr lang="en-IN" dirty="0" smtClean="0"/>
+              <a:rPr lang="en-IN" dirty="0"/>
               <a:t>   </a:t>
             </a:r>
             <a:r>
-              <a:rPr lang="en-IN" dirty="0" err="1" smtClean="0"/>
+              <a:rPr lang="en-IN" dirty="0" err="1"/>
               <a:t>printf</a:t>
             </a:r>
             <a:r>
-              <a:rPr lang="en-IN" dirty="0" smtClean="0"/>
+              <a:rPr lang="en-IN" dirty="0"/>
               <a:t>("Average = %f\n", </a:t>
             </a:r>
             <a:r>
-              <a:rPr lang="en-IN" dirty="0" smtClean="0">
+              <a:rPr lang="en-IN" dirty="0">
                 <a:solidFill>
                   <a:srgbClr val="FF0000"/>
                 </a:solidFill>
@@ -5392,7 +5353,7 @@
               <a:t>average(4, 1,2,3,)</a:t>
             </a:r>
             <a:r>
-              <a:rPr lang="en-IN" dirty="0" smtClean="0"/>
+              <a:rPr lang="en-IN" dirty="0"/>
               <a:t>);</a:t>
             </a:r>
           </a:p>
@@ -5401,19 +5362,19 @@
               <a:buNone/>
             </a:pPr>
             <a:r>
-              <a:rPr lang="en-IN" dirty="0" smtClean="0"/>
+              <a:rPr lang="en-IN" dirty="0"/>
               <a:t>   </a:t>
             </a:r>
             <a:r>
-              <a:rPr lang="en-IN" dirty="0" err="1" smtClean="0"/>
+              <a:rPr lang="en-IN" dirty="0" err="1"/>
               <a:t>printf</a:t>
             </a:r>
             <a:r>
-              <a:rPr lang="en-IN" dirty="0" smtClean="0"/>
+              <a:rPr lang="en-IN" dirty="0"/>
               <a:t>("Average  = %f\n", </a:t>
             </a:r>
             <a:r>
-              <a:rPr lang="en-IN" dirty="0" smtClean="0">
+              <a:rPr lang="en-IN" dirty="0">
                 <a:solidFill>
                   <a:srgbClr val="FF0000"/>
                 </a:solidFill>
@@ -5421,7 +5382,7 @@
               <a:t>average(3, 5,10,15</a:t>
             </a:r>
             <a:r>
-              <a:rPr lang="en-IN" dirty="0" smtClean="0"/>
+              <a:rPr lang="en-IN" dirty="0"/>
               <a:t>));</a:t>
             </a:r>
           </a:p>
@@ -5430,10 +5391,9 @@
               <a:buNone/>
             </a:pPr>
             <a:r>
-              <a:rPr lang="en-IN" dirty="0" smtClean="0"/>
+              <a:rPr lang="en-IN" dirty="0"/>
               <a:t>}</a:t>
             </a:r>
-            <a:endParaRPr lang="en-IN" dirty="0"/>
           </a:p>
         </p:txBody>
       </p:sp>
@@ -5483,7 +5443,7 @@
           <a:lstStyle/>
           <a:p>
             <a:r>
-              <a:rPr lang="en-US" dirty="0" smtClean="0"/>
+              <a:rPr lang="en-US" dirty="0"/>
               <a:t>Bit fields</a:t>
             </a:r>
             <a:endParaRPr lang="en-IN" dirty="0"/>
@@ -5511,15 +5471,15 @@
               <a:buNone/>
             </a:pPr>
             <a:r>
-              <a:rPr lang="en-US" dirty="0" smtClean="0"/>
+              <a:rPr lang="en-US" dirty="0"/>
               <a:t>#include&lt;</a:t>
             </a:r>
             <a:r>
-              <a:rPr lang="en-US" dirty="0" err="1" smtClean="0"/>
+              <a:rPr lang="en-US" dirty="0" err="1"/>
               <a:t>stdio.h</a:t>
             </a:r>
             <a:r>
-              <a:rPr lang="en-US" dirty="0" smtClean="0"/>
+              <a:rPr lang="en-US" dirty="0"/>
               <a:t>&gt;</a:t>
             </a:r>
           </a:p>
@@ -5528,11 +5488,11 @@
               <a:buNone/>
             </a:pPr>
             <a:r>
-              <a:rPr lang="en-US" dirty="0" err="1" smtClean="0"/>
+              <a:rPr lang="en-US" dirty="0" err="1"/>
               <a:t>struct</a:t>
             </a:r>
             <a:r>
-              <a:rPr lang="en-US" dirty="0" smtClean="0"/>
+              <a:rPr lang="en-US" dirty="0"/>
               <a:t> {</a:t>
             </a:r>
           </a:p>
@@ -5541,15 +5501,15 @@
               <a:buNone/>
             </a:pPr>
             <a:r>
-              <a:rPr lang="en-US" dirty="0" smtClean="0"/>
+              <a:rPr lang="en-US" dirty="0"/>
               <a:t>   </a:t>
             </a:r>
             <a:r>
-              <a:rPr lang="en-US" dirty="0" err="1" smtClean="0"/>
+              <a:rPr lang="en-US" dirty="0" err="1"/>
               <a:t>int</a:t>
             </a:r>
             <a:r>
-              <a:rPr lang="en-US" dirty="0" smtClean="0"/>
+              <a:rPr lang="en-US" dirty="0"/>
               <a:t> a:1;</a:t>
             </a:r>
           </a:p>
@@ -5558,15 +5518,15 @@
               <a:buNone/>
             </a:pPr>
             <a:r>
-              <a:rPr lang="en-US" dirty="0" smtClean="0"/>
+              <a:rPr lang="en-US" dirty="0"/>
               <a:t>   </a:t>
             </a:r>
             <a:r>
-              <a:rPr lang="en-US" dirty="0" err="1" smtClean="0"/>
+              <a:rPr lang="en-US" dirty="0" err="1"/>
               <a:t>int</a:t>
             </a:r>
             <a:r>
-              <a:rPr lang="en-US" dirty="0" smtClean="0"/>
+              <a:rPr lang="en-US" dirty="0"/>
               <a:t> b:1;</a:t>
             </a:r>
           </a:p>
@@ -5575,7 +5535,7 @@
               <a:buNone/>
             </a:pPr>
             <a:r>
-              <a:rPr lang="en-US" dirty="0" smtClean="0"/>
+              <a:rPr lang="en-US" dirty="0"/>
               <a:t>}s;</a:t>
             </a:r>
           </a:p>
@@ -5584,11 +5544,11 @@
               <a:buNone/>
             </a:pPr>
             <a:r>
-              <a:rPr lang="en-US" dirty="0" err="1" smtClean="0"/>
+              <a:rPr lang="en-US" dirty="0" err="1"/>
               <a:t>int</a:t>
             </a:r>
             <a:r>
-              <a:rPr lang="en-US" dirty="0" smtClean="0"/>
+              <a:rPr lang="en-US" dirty="0"/>
               <a:t> main()</a:t>
             </a:r>
           </a:p>
@@ -5597,7 +5557,7 @@
               <a:buNone/>
             </a:pPr>
             <a:r>
-              <a:rPr lang="en-US" dirty="0" smtClean="0"/>
+              <a:rPr lang="en-US" dirty="0"/>
               <a:t>{</a:t>
             </a:r>
           </a:p>
@@ -5606,23 +5566,23 @@
               <a:buNone/>
             </a:pPr>
             <a:r>
-              <a:rPr lang="en-US" dirty="0" smtClean="0"/>
+              <a:rPr lang="en-US" dirty="0"/>
               <a:t>    </a:t>
             </a:r>
             <a:r>
-              <a:rPr lang="en-US" dirty="0" err="1" smtClean="0"/>
+              <a:rPr lang="en-US" dirty="0" err="1"/>
               <a:t>printf</a:t>
             </a:r>
             <a:r>
-              <a:rPr lang="en-US" dirty="0" smtClean="0"/>
+              <a:rPr lang="en-US" dirty="0"/>
               <a:t>("%d",</a:t>
             </a:r>
             <a:r>
-              <a:rPr lang="en-US" dirty="0" err="1" smtClean="0"/>
+              <a:rPr lang="en-US" dirty="0" err="1"/>
               <a:t>sizeof</a:t>
             </a:r>
             <a:r>
-              <a:rPr lang="en-US" dirty="0" smtClean="0"/>
+              <a:rPr lang="en-US" dirty="0"/>
               <a:t>(s));</a:t>
             </a:r>
           </a:p>
@@ -5631,7 +5591,7 @@
               <a:buNone/>
             </a:pPr>
             <a:r>
-              <a:rPr lang="en-US" dirty="0" smtClean="0"/>
+              <a:rPr lang="en-US" dirty="0"/>
               <a:t>    return 0;</a:t>
             </a:r>
           </a:p>
@@ -5640,7 +5600,7 @@
               <a:buNone/>
             </a:pPr>
             <a:r>
-              <a:rPr lang="en-US" dirty="0" smtClean="0"/>
+              <a:rPr lang="en-US" dirty="0"/>
               <a:t>}</a:t>
             </a:r>
             <a:endParaRPr lang="en-IN" dirty="0"/>
@@ -5693,7 +5653,7 @@
           <a:lstStyle/>
           <a:p>
             <a:r>
-              <a:rPr lang="en-US" dirty="0" smtClean="0"/>
+              <a:rPr lang="en-US" dirty="0"/>
               <a:t>Enumerations</a:t>
             </a:r>
             <a:endParaRPr lang="en-IN" dirty="0"/>
@@ -5716,19 +5676,19 @@
           <a:lstStyle/>
           <a:p>
             <a:r>
-              <a:rPr lang="en-US" dirty="0" smtClean="0"/>
+              <a:rPr lang="en-US" dirty="0"/>
               <a:t>The enumerated data type is a user-defined type based on the standard integer type.</a:t>
             </a:r>
           </a:p>
           <a:p>
             <a:r>
-              <a:rPr lang="en-US" dirty="0" smtClean="0"/>
+              <a:rPr lang="en-US" dirty="0"/>
               <a:t>An enumeration consists of a set of named integer constants.</a:t>
             </a:r>
           </a:p>
           <a:p>
             <a:r>
-              <a:rPr lang="en-US" dirty="0" smtClean="0"/>
+              <a:rPr lang="en-US" dirty="0"/>
               <a:t>Syntax</a:t>
             </a:r>
           </a:p>
@@ -5737,7 +5697,7 @@
               <a:buNone/>
             </a:pPr>
             <a:r>
-              <a:rPr lang="en-US" dirty="0" err="1" smtClean="0">
+              <a:rPr lang="en-US" dirty="0" err="1">
                 <a:solidFill>
                   <a:srgbClr val="FF0000"/>
                 </a:solidFill>
@@ -5745,7 +5705,7 @@
               <a:t>enum</a:t>
             </a:r>
             <a:r>
-              <a:rPr lang="en-US" dirty="0" smtClean="0">
+              <a:rPr lang="en-US" dirty="0">
                 <a:solidFill>
                   <a:srgbClr val="FF0000"/>
                 </a:solidFill>
@@ -5753,7 +5713,7 @@
               <a:t> </a:t>
             </a:r>
             <a:r>
-              <a:rPr lang="en-US" dirty="0" err="1" smtClean="0">
+              <a:rPr lang="en-US" dirty="0" err="1">
                 <a:solidFill>
                   <a:srgbClr val="FF0000"/>
                 </a:solidFill>
@@ -5761,7 +5721,7 @@
               <a:t>enumeration_name</a:t>
             </a:r>
             <a:r>
-              <a:rPr lang="en-US" dirty="0" smtClean="0">
+              <a:rPr lang="en-US" dirty="0">
                 <a:solidFill>
                   <a:srgbClr val="FF0000"/>
                 </a:solidFill>
@@ -5769,7 +5729,7 @@
               <a:t> (id1,id2,id3…,</a:t>
             </a:r>
             <a:r>
-              <a:rPr lang="en-US" dirty="0" err="1" smtClean="0">
+              <a:rPr lang="en-US" dirty="0" err="1">
                 <a:solidFill>
                   <a:srgbClr val="FF0000"/>
                 </a:solidFill>
@@ -5777,7 +5737,7 @@
               <a:t>idn</a:t>
             </a:r>
             <a:r>
-              <a:rPr lang="en-US" dirty="0" smtClean="0">
+              <a:rPr lang="en-US" dirty="0">
                 <a:solidFill>
                   <a:srgbClr val="FF0000"/>
                 </a:solidFill>
@@ -5799,7 +5759,7 @@
             <a:pPr marL="0" indent="0">
               <a:buNone/>
             </a:pPr>
-            <a:endParaRPr lang="en-US" dirty="0" smtClean="0">
+            <a:endParaRPr lang="en-US" dirty="0">
               <a:solidFill>
                 <a:srgbClr val="FF0000"/>
               </a:solidFill>
@@ -5854,14 +5814,10 @@
           <a:p>
             <a:r>
               <a:rPr lang="en-US" dirty="0" err="1"/>
-              <a:t>e</a:t>
-            </a:r>
-            <a:r>
-              <a:rPr lang="en-US" dirty="0" err="1" smtClean="0"/>
-              <a:t>num</a:t>
-            </a:r>
-            <a:r>
-              <a:rPr lang="en-US" dirty="0" smtClean="0"/>
+              <a:t>enum</a:t>
+            </a:r>
+            <a:r>
+              <a:rPr lang="en-US" dirty="0"/>
               <a:t> example</a:t>
             </a:r>
             <a:endParaRPr lang="en-IN" dirty="0"/>
@@ -5889,15 +5845,15 @@
               <a:buNone/>
             </a:pPr>
             <a:r>
-              <a:rPr lang="en-IN" dirty="0" smtClean="0"/>
+              <a:rPr lang="en-IN" dirty="0"/>
               <a:t>#include&lt;</a:t>
             </a:r>
             <a:r>
-              <a:rPr lang="en-IN" dirty="0" err="1" smtClean="0"/>
+              <a:rPr lang="en-IN" dirty="0" err="1"/>
               <a:t>stdio.h</a:t>
             </a:r>
             <a:r>
-              <a:rPr lang="en-IN" dirty="0" smtClean="0"/>
+              <a:rPr lang="en-IN" dirty="0"/>
               <a:t>&gt;</a:t>
             </a:r>
           </a:p>
@@ -5905,18 +5861,18 @@
             <a:pPr marL="0" indent="0">
               <a:buNone/>
             </a:pPr>
-            <a:endParaRPr lang="en-IN" dirty="0" smtClean="0"/>
-          </a:p>
-          <a:p>
-            <a:pPr marL="0" indent="0">
-              <a:buNone/>
-            </a:pPr>
-            <a:r>
-              <a:rPr lang="en-IN" dirty="0" err="1" smtClean="0"/>
+            <a:endParaRPr lang="en-IN" dirty="0"/>
+          </a:p>
+          <a:p>
+            <a:pPr marL="0" indent="0">
+              <a:buNone/>
+            </a:pPr>
+            <a:r>
+              <a:rPr lang="en-IN" dirty="0" err="1"/>
               <a:t>enum</a:t>
             </a:r>
             <a:r>
-              <a:rPr lang="en-IN" dirty="0" smtClean="0"/>
+              <a:rPr lang="en-IN" dirty="0"/>
               <a:t> year{Jan, Feb, Mar, Apr, May, Jun, Jul,</a:t>
             </a:r>
           </a:p>
@@ -5925,7 +5881,7 @@
               <a:buNone/>
             </a:pPr>
             <a:r>
-              <a:rPr lang="en-IN" dirty="0" smtClean="0"/>
+              <a:rPr lang="en-IN" dirty="0"/>
               <a:t>          Aug, Sep, Oct, Nov, Dec};</a:t>
             </a:r>
           </a:p>
@@ -5933,18 +5889,18 @@
             <a:pPr marL="0" indent="0">
               <a:buNone/>
             </a:pPr>
-            <a:endParaRPr lang="en-IN" dirty="0" smtClean="0"/>
-          </a:p>
-          <a:p>
-            <a:pPr marL="0" indent="0">
-              <a:buNone/>
-            </a:pPr>
-            <a:r>
-              <a:rPr lang="en-IN" dirty="0" err="1" smtClean="0"/>
+            <a:endParaRPr lang="en-IN" dirty="0"/>
+          </a:p>
+          <a:p>
+            <a:pPr marL="0" indent="0">
+              <a:buNone/>
+            </a:pPr>
+            <a:r>
+              <a:rPr lang="en-IN" dirty="0" err="1"/>
               <a:t>int</a:t>
             </a:r>
             <a:r>
-              <a:rPr lang="en-IN" dirty="0" smtClean="0"/>
+              <a:rPr lang="en-IN" dirty="0"/>
               <a:t> main()</a:t>
             </a:r>
           </a:p>
@@ -5953,7 +5909,7 @@
               <a:buNone/>
             </a:pPr>
             <a:r>
-              <a:rPr lang="en-IN" dirty="0" smtClean="0"/>
+              <a:rPr lang="en-IN" dirty="0"/>
               <a:t>{</a:t>
             </a:r>
           </a:p>
@@ -5962,23 +5918,23 @@
               <a:buNone/>
             </a:pPr>
             <a:r>
-              <a:rPr lang="en-IN" dirty="0" smtClean="0"/>
+              <a:rPr lang="en-IN" dirty="0"/>
               <a:t>   </a:t>
             </a:r>
             <a:r>
-              <a:rPr lang="en-IN" dirty="0" err="1" smtClean="0"/>
+              <a:rPr lang="en-IN" dirty="0" err="1"/>
               <a:t>int</a:t>
             </a:r>
             <a:r>
-              <a:rPr lang="en-IN" dirty="0" smtClean="0"/>
+              <a:rPr lang="en-IN" dirty="0"/>
               <a:t> </a:t>
             </a:r>
             <a:r>
-              <a:rPr lang="en-IN" dirty="0" err="1" smtClean="0"/>
+              <a:rPr lang="en-IN" dirty="0" err="1"/>
               <a:t>i</a:t>
             </a:r>
             <a:r>
-              <a:rPr lang="en-IN" dirty="0" smtClean="0"/>
+              <a:rPr lang="en-IN" dirty="0"/>
               <a:t>;</a:t>
             </a:r>
           </a:p>
@@ -5987,31 +5943,31 @@
               <a:buNone/>
             </a:pPr>
             <a:r>
-              <a:rPr lang="en-IN" dirty="0" smtClean="0"/>
+              <a:rPr lang="en-IN" dirty="0"/>
               <a:t>   for (</a:t>
             </a:r>
             <a:r>
-              <a:rPr lang="en-IN" dirty="0" err="1" smtClean="0"/>
+              <a:rPr lang="en-IN" dirty="0" err="1"/>
               <a:t>i</a:t>
             </a:r>
             <a:r>
-              <a:rPr lang="en-IN" dirty="0" smtClean="0"/>
+              <a:rPr lang="en-IN" dirty="0"/>
               <a:t>=Jan; </a:t>
             </a:r>
             <a:r>
-              <a:rPr lang="en-IN" dirty="0" err="1" smtClean="0"/>
+              <a:rPr lang="en-IN" dirty="0" err="1"/>
               <a:t>i</a:t>
             </a:r>
             <a:r>
-              <a:rPr lang="en-IN" dirty="0" smtClean="0"/>
+              <a:rPr lang="en-IN" dirty="0"/>
               <a:t>&lt;=Dec; </a:t>
             </a:r>
             <a:r>
-              <a:rPr lang="en-IN" dirty="0" err="1" smtClean="0"/>
+              <a:rPr lang="en-IN" dirty="0" err="1"/>
               <a:t>i</a:t>
             </a:r>
             <a:r>
-              <a:rPr lang="en-IN" dirty="0" smtClean="0"/>
+              <a:rPr lang="en-IN" dirty="0"/>
               <a:t>++)</a:t>
             </a:r>
           </a:p>
@@ -6020,23 +5976,23 @@
               <a:buNone/>
             </a:pPr>
             <a:r>
-              <a:rPr lang="en-IN" dirty="0" smtClean="0"/>
+              <a:rPr lang="en-IN" dirty="0"/>
               <a:t>      </a:t>
             </a:r>
             <a:r>
-              <a:rPr lang="en-IN" dirty="0" err="1" smtClean="0"/>
+              <a:rPr lang="en-IN" dirty="0" err="1"/>
               <a:t>printf</a:t>
             </a:r>
             <a:r>
-              <a:rPr lang="en-IN" dirty="0" smtClean="0"/>
+              <a:rPr lang="en-IN" dirty="0"/>
               <a:t>("%d ", </a:t>
             </a:r>
             <a:r>
-              <a:rPr lang="en-IN" dirty="0" err="1" smtClean="0"/>
+              <a:rPr lang="en-IN" dirty="0" err="1"/>
               <a:t>i</a:t>
             </a:r>
             <a:r>
-              <a:rPr lang="en-IN" dirty="0" smtClean="0"/>
+              <a:rPr lang="en-IN" dirty="0"/>
               <a:t>);</a:t>
             </a:r>
           </a:p>
@@ -6044,14 +6000,14 @@
             <a:pPr marL="0" indent="0">
               <a:buNone/>
             </a:pPr>
-            <a:endParaRPr lang="en-IN" dirty="0" smtClean="0"/>
-          </a:p>
-          <a:p>
-            <a:pPr marL="0" indent="0">
-              <a:buNone/>
-            </a:pPr>
-            <a:r>
-              <a:rPr lang="en-IN" dirty="0" smtClean="0"/>
+            <a:endParaRPr lang="en-IN" dirty="0"/>
+          </a:p>
+          <a:p>
+            <a:pPr marL="0" indent="0">
+              <a:buNone/>
+            </a:pPr>
+            <a:r>
+              <a:rPr lang="en-IN" dirty="0"/>
               <a:t>   return 0;</a:t>
             </a:r>
           </a:p>
@@ -6060,7 +6016,7 @@
               <a:buNone/>
             </a:pPr>
             <a:r>
-              <a:rPr lang="en-IN" dirty="0" smtClean="0"/>
+              <a:rPr lang="en-IN" dirty="0"/>
               <a:t>}</a:t>
             </a:r>
           </a:p>
@@ -6118,11 +6074,11 @@
           <a:lstStyle/>
           <a:p>
             <a:r>
-              <a:rPr lang="en-US" dirty="0" smtClean="0"/>
+              <a:rPr lang="en-US" dirty="0"/>
               <a:t>Points on </a:t>
             </a:r>
             <a:r>
-              <a:rPr lang="en-US" dirty="0" err="1" smtClean="0"/>
+              <a:rPr lang="en-US" dirty="0" err="1"/>
               <a:t>enum</a:t>
             </a:r>
             <a:endParaRPr lang="en-IN" dirty="0"/>
@@ -6166,16 +6122,11 @@
               <a:rPr lang="en-US" dirty="0"/>
               <a:t> constant</a:t>
             </a:r>
-            <a:endParaRPr lang="en-US" dirty="0" smtClean="0"/>
-          </a:p>
-          <a:p>
-            <a:r>
-              <a:rPr lang="en-US" dirty="0" smtClean="0"/>
-              <a:t>If </a:t>
-            </a:r>
+          </a:p>
+          <a:p>
             <a:r>
               <a:rPr lang="en-US" dirty="0"/>
-              <a:t>we do not explicitly assign values to </a:t>
+              <a:t>If we do not explicitly assign values to </a:t>
             </a:r>
             <a:r>
               <a:rPr lang="en-US" dirty="0" err="1"/>
@@ -6183,11 +6134,7 @@
             </a:r>
             <a:r>
               <a:rPr lang="en-US" dirty="0"/>
-              <a:t> names, the compiler by default assigns values starting from 0</a:t>
-            </a:r>
-            <a:r>
-              <a:rPr lang="en-US" dirty="0" smtClean="0"/>
-              <a:t>.</a:t>
+              <a:t> names, the compiler by default assigns values starting from 0.</a:t>
             </a:r>
           </a:p>
           <a:p>
@@ -6195,11 +6142,10 @@
               <a:rPr lang="en-US" dirty="0"/>
               <a:t>We can assign values to some name in any order. All unassigned names get value as value of previous name plus one.</a:t>
             </a:r>
-            <a:endParaRPr lang="en-US" dirty="0" smtClean="0"/>
-          </a:p>
-          <a:p>
-            <a:r>
-              <a:rPr lang="en-US" dirty="0" smtClean="0"/>
+          </a:p>
+          <a:p>
+            <a:r>
+              <a:rPr lang="en-US" dirty="0"/>
               <a:t>Two </a:t>
             </a:r>
             <a:r>
@@ -6208,11 +6154,7 @@
             </a:r>
             <a:r>
               <a:rPr lang="en-US" dirty="0"/>
-              <a:t> names can have same value</a:t>
-            </a:r>
-            <a:r>
-              <a:rPr lang="en-US" dirty="0" smtClean="0"/>
-              <a:t>.</a:t>
+              <a:t> names can have same value.</a:t>
             </a:r>
           </a:p>
           <a:p>
@@ -6267,11 +6209,7 @@
           <a:p>
             <a:r>
               <a:rPr lang="en-US" dirty="0" err="1"/>
-              <a:t>t</a:t>
-            </a:r>
-            <a:r>
-              <a:rPr lang="en-US" dirty="0" err="1" smtClean="0"/>
-              <a:t>ypedef</a:t>
+              <a:t>typedef</a:t>
             </a:r>
             <a:endParaRPr lang="en-IN" dirty="0"/>
           </a:p>
@@ -6294,7 +6232,7 @@
           <a:p>
             <a:pPr algn="just"/>
             <a:r>
-              <a:rPr lang="en-US" dirty="0" err="1" smtClean="0">
+              <a:rPr lang="en-US" dirty="0" err="1">
                 <a:solidFill>
                   <a:srgbClr val="FF0000"/>
                 </a:solidFill>
@@ -6313,7 +6251,6 @@
               <a:rPr lang="en-US" dirty="0"/>
               <a:t>is a keyword used in C language to assign alternative names to existing datatypes. Its mostly used with user defined datatypes, when names of the datatypes become slightly complicated to use in programs. </a:t>
             </a:r>
-            <a:endParaRPr lang="en-US" dirty="0" smtClean="0"/>
           </a:p>
         </p:txBody>
       </p:sp>
